--- a/一件禮物(粵語).pptx
+++ b/一件禮物(粵語).pptx
@@ -2,21 +2,22 @@
 <file path=ppt/presentation.xml><?xml version="1.0" encoding="utf-8"?>
 <p:presentation xmlns:a="http://schemas.openxmlformats.org/drawingml/2006/main" xmlns:r="http://schemas.openxmlformats.org/officeDocument/2006/relationships" xmlns:p="http://schemas.openxmlformats.org/presentationml/2006/main" saveSubsetFonts="1">
   <p:sldMasterIdLst>
-    <p:sldMasterId id="2147483677" r:id="rId1"/>
+    <p:sldMasterId id="2147483689" r:id="rId1"/>
   </p:sldMasterIdLst>
   <p:sldIdLst>
-    <p:sldId id="256" r:id="rId2"/>
-    <p:sldId id="260" r:id="rId3"/>
-    <p:sldId id="261" r:id="rId4"/>
-    <p:sldId id="257" r:id="rId5"/>
-    <p:sldId id="258" r:id="rId6"/>
-    <p:sldId id="259" r:id="rId7"/>
+    <p:sldId id="353" r:id="rId2"/>
+    <p:sldId id="390" r:id="rId3"/>
+    <p:sldId id="472" r:id="rId4"/>
+    <p:sldId id="473" r:id="rId5"/>
+    <p:sldId id="474" r:id="rId6"/>
+    <p:sldId id="475" r:id="rId7"/>
+    <p:sldId id="476" r:id="rId8"/>
   </p:sldIdLst>
-  <p:sldSz cx="9144000" cy="6858000" type="screen4x3"/>
+  <p:sldSz cx="12192000" cy="6858000"/>
   <p:notesSz cx="6858000" cy="9144000"/>
   <p:defaultTextStyle>
     <a:defPPr>
-      <a:defRPr lang="zh-TW"/>
+      <a:defRPr lang="vi-VN"/>
     </a:defPPr>
     <a:lvl1pPr marL="0" algn="l" defTabSz="914400" rtl="0" eaLnBrk="1" latinLnBrk="0" hangingPunct="1">
       <a:defRPr sz="1800" kern="1200">
@@ -109,6 +110,22 @@
       </a:defRPr>
     </a:lvl9pPr>
   </p:defaultTextStyle>
+  <p:extLst>
+    <p:ext uri="{EFAFB233-063F-42B5-8137-9DF3F51BA10A}">
+      <p15:sldGuideLst xmlns:p15="http://schemas.microsoft.com/office/powerpoint/2012/main">
+        <p15:guide id="1" orient="horz" pos="2160" userDrawn="1">
+          <p15:clr>
+            <a:srgbClr val="A4A3A4"/>
+          </p15:clr>
+        </p15:guide>
+        <p15:guide id="2" pos="3840" userDrawn="1">
+          <p15:clr>
+            <a:srgbClr val="A4A3A4"/>
+          </p15:clr>
+        </p15:guide>
+      </p15:sldGuideLst>
+    </p:ext>
+  </p:extLst>
 </p:presentation>
 </file>
 
@@ -141,8 +158,8 @@
         </p:nvSpPr>
         <p:spPr>
           <a:xfrm>
-            <a:off x="685800" y="2130425"/>
-            <a:ext cx="7772400" cy="1470025"/>
+            <a:off x="914400" y="2130430"/>
+            <a:ext cx="10363200" cy="1470025"/>
           </a:xfrm>
         </p:spPr>
         <p:txBody>
@@ -150,8 +167,8 @@
           <a:lstStyle/>
           <a:p>
             <a:r>
-              <a:rPr lang="zh-TW" altLang="en-US" smtClean="0"/>
-              <a:t>按一下以編輯母片標題樣式</a:t>
+              <a:rPr lang="en-US" altLang="zh-TW"/>
+              <a:t>Click to edit Master title style</a:t>
             </a:r>
             <a:endParaRPr lang="zh-TW" altLang="en-US"/>
           </a:p>
@@ -169,8 +186,8 @@
         </p:nvSpPr>
         <p:spPr>
           <a:xfrm>
-            <a:off x="1371600" y="3886200"/>
-            <a:ext cx="6400800" cy="1752600"/>
+            <a:off x="1828800" y="3886200"/>
+            <a:ext cx="8534400" cy="1752600"/>
           </a:xfrm>
         </p:spPr>
         <p:txBody>
@@ -178,45 +195,99 @@
           <a:lstStyle>
             <a:lvl1pPr marL="0" indent="0" algn="ctr">
               <a:buNone/>
-              <a:defRPr/>
+              <a:defRPr>
+                <a:solidFill>
+                  <a:schemeClr val="tx1">
+                    <a:tint val="75000"/>
+                  </a:schemeClr>
+                </a:solidFill>
+              </a:defRPr>
             </a:lvl1pPr>
-            <a:lvl2pPr marL="457200" indent="0" algn="ctr">
-              <a:buNone/>
-              <a:defRPr/>
+            <a:lvl2pPr marL="457189" indent="0" algn="ctr">
+              <a:buNone/>
+              <a:defRPr>
+                <a:solidFill>
+                  <a:schemeClr val="tx1">
+                    <a:tint val="75000"/>
+                  </a:schemeClr>
+                </a:solidFill>
+              </a:defRPr>
             </a:lvl2pPr>
-            <a:lvl3pPr marL="914400" indent="0" algn="ctr">
-              <a:buNone/>
-              <a:defRPr/>
+            <a:lvl3pPr marL="914378" indent="0" algn="ctr">
+              <a:buNone/>
+              <a:defRPr>
+                <a:solidFill>
+                  <a:schemeClr val="tx1">
+                    <a:tint val="75000"/>
+                  </a:schemeClr>
+                </a:solidFill>
+              </a:defRPr>
             </a:lvl3pPr>
-            <a:lvl4pPr marL="1371600" indent="0" algn="ctr">
-              <a:buNone/>
-              <a:defRPr/>
+            <a:lvl4pPr marL="1371566" indent="0" algn="ctr">
+              <a:buNone/>
+              <a:defRPr>
+                <a:solidFill>
+                  <a:schemeClr val="tx1">
+                    <a:tint val="75000"/>
+                  </a:schemeClr>
+                </a:solidFill>
+              </a:defRPr>
             </a:lvl4pPr>
-            <a:lvl5pPr marL="1828800" indent="0" algn="ctr">
-              <a:buNone/>
-              <a:defRPr/>
+            <a:lvl5pPr marL="1828754" indent="0" algn="ctr">
+              <a:buNone/>
+              <a:defRPr>
+                <a:solidFill>
+                  <a:schemeClr val="tx1">
+                    <a:tint val="75000"/>
+                  </a:schemeClr>
+                </a:solidFill>
+              </a:defRPr>
             </a:lvl5pPr>
-            <a:lvl6pPr marL="2286000" indent="0" algn="ctr">
-              <a:buNone/>
-              <a:defRPr/>
+            <a:lvl6pPr marL="2285943" indent="0" algn="ctr">
+              <a:buNone/>
+              <a:defRPr>
+                <a:solidFill>
+                  <a:schemeClr val="tx1">
+                    <a:tint val="75000"/>
+                  </a:schemeClr>
+                </a:solidFill>
+              </a:defRPr>
             </a:lvl6pPr>
-            <a:lvl7pPr marL="2743200" indent="0" algn="ctr">
-              <a:buNone/>
-              <a:defRPr/>
+            <a:lvl7pPr marL="2743132" indent="0" algn="ctr">
+              <a:buNone/>
+              <a:defRPr>
+                <a:solidFill>
+                  <a:schemeClr val="tx1">
+                    <a:tint val="75000"/>
+                  </a:schemeClr>
+                </a:solidFill>
+              </a:defRPr>
             </a:lvl7pPr>
-            <a:lvl8pPr marL="3200400" indent="0" algn="ctr">
-              <a:buNone/>
-              <a:defRPr/>
+            <a:lvl8pPr marL="3200320" indent="0" algn="ctr">
+              <a:buNone/>
+              <a:defRPr>
+                <a:solidFill>
+                  <a:schemeClr val="tx1">
+                    <a:tint val="75000"/>
+                  </a:schemeClr>
+                </a:solidFill>
+              </a:defRPr>
             </a:lvl8pPr>
-            <a:lvl9pPr marL="3657600" indent="0" algn="ctr">
-              <a:buNone/>
-              <a:defRPr/>
+            <a:lvl9pPr marL="3657509" indent="0" algn="ctr">
+              <a:buNone/>
+              <a:defRPr>
+                <a:solidFill>
+                  <a:schemeClr val="tx1">
+                    <a:tint val="75000"/>
+                  </a:schemeClr>
+                </a:solidFill>
+              </a:defRPr>
             </a:lvl9pPr>
           </a:lstStyle>
           <a:p>
             <a:r>
-              <a:rPr lang="zh-TW" altLang="en-US" smtClean="0"/>
-              <a:t>按一下以編輯母片副標題樣式</a:t>
+              <a:rPr lang="en-US" altLang="zh-TW"/>
+              <a:t>Click to edit Master subtitle style</a:t>
             </a:r>
             <a:endParaRPr lang="zh-TW" altLang="en-US"/>
           </a:p>
@@ -235,16 +306,12 @@
         <p:spPr/>
         <p:txBody>
           <a:bodyPr/>
-          <a:lstStyle>
-            <a:lvl1pPr>
-              <a:defRPr/>
-            </a:lvl1pPr>
-          </a:lstStyle>
+          <a:lstStyle/>
           <a:p>
             <a:fld id="{CCA55B72-FEAE-4A7E-BFAD-8E37A453F100}" type="datetimeFigureOut">
               <a:rPr lang="zh-TW" altLang="en-US" smtClean="0"/>
               <a:pPr/>
-              <a:t>2015/7/4</a:t>
+              <a:t>2023/12/9</a:t>
             </a:fld>
             <a:endParaRPr lang="zh-TW" altLang="en-US"/>
           </a:p>
@@ -263,11 +330,7 @@
         <p:spPr/>
         <p:txBody>
           <a:bodyPr/>
-          <a:lstStyle>
-            <a:lvl1pPr>
-              <a:defRPr/>
-            </a:lvl1pPr>
-          </a:lstStyle>
+          <a:lstStyle/>
           <a:p>
             <a:endParaRPr lang="zh-TW" altLang="en-US"/>
           </a:p>
@@ -286,11 +349,7 @@
         <p:spPr/>
         <p:txBody>
           <a:bodyPr/>
-          <a:lstStyle>
-            <a:lvl1pPr>
-              <a:defRPr/>
-            </a:lvl1pPr>
-          </a:lstStyle>
+          <a:lstStyle/>
           <a:p>
             <a:fld id="{40F950A7-3D11-4889-8B57-8D381991982A}" type="slidenum">
               <a:rPr lang="zh-TW" altLang="en-US" smtClean="0"/>
@@ -302,6 +361,11 @@
         </p:txBody>
       </p:sp>
     </p:spTree>
+    <p:extLst>
+      <p:ext uri="{BB962C8B-B14F-4D97-AF65-F5344CB8AC3E}">
+        <p14:creationId xmlns:p14="http://schemas.microsoft.com/office/powerpoint/2010/main" val="3345436164"/>
+      </p:ext>
+    </p:extLst>
   </p:cSld>
   <p:clrMapOvr>
     <a:masterClrMapping/>
@@ -342,8 +406,8 @@
           <a:lstStyle/>
           <a:p>
             <a:r>
-              <a:rPr lang="zh-TW" altLang="en-US" smtClean="0"/>
-              <a:t>按一下以編輯母片標題樣式</a:t>
+              <a:rPr lang="en-US" altLang="zh-TW"/>
+              <a:t>Click to edit Master title style</a:t>
             </a:r>
             <a:endParaRPr lang="zh-TW" altLang="en-US"/>
           </a:p>
@@ -366,36 +430,36 @@
           <a:p>
             <a:pPr lvl="0"/>
             <a:r>
-              <a:rPr lang="zh-TW" altLang="en-US" smtClean="0"/>
-              <a:t>按一下以編輯母片文字樣式</a:t>
+              <a:rPr lang="en-US" altLang="zh-TW"/>
+              <a:t>Edit Master text styles</a:t>
             </a:r>
           </a:p>
           <a:p>
             <a:pPr lvl="1"/>
             <a:r>
-              <a:rPr lang="zh-TW" altLang="en-US" smtClean="0"/>
-              <a:t>第二層</a:t>
+              <a:rPr lang="en-US" altLang="zh-TW"/>
+              <a:t>Second level</a:t>
             </a:r>
           </a:p>
           <a:p>
             <a:pPr lvl="2"/>
             <a:r>
-              <a:rPr lang="zh-TW" altLang="en-US" smtClean="0"/>
-              <a:t>第三層</a:t>
+              <a:rPr lang="en-US" altLang="zh-TW"/>
+              <a:t>Third level</a:t>
             </a:r>
           </a:p>
           <a:p>
             <a:pPr lvl="3"/>
             <a:r>
-              <a:rPr lang="zh-TW" altLang="en-US" smtClean="0"/>
-              <a:t>第四層</a:t>
+              <a:rPr lang="en-US" altLang="zh-TW"/>
+              <a:t>Fourth level</a:t>
             </a:r>
           </a:p>
           <a:p>
             <a:pPr lvl="4"/>
             <a:r>
-              <a:rPr lang="zh-TW" altLang="en-US" smtClean="0"/>
-              <a:t>第五層</a:t>
+              <a:rPr lang="en-US" altLang="zh-TW"/>
+              <a:t>Fifth level</a:t>
             </a:r>
             <a:endParaRPr lang="zh-TW" altLang="en-US"/>
           </a:p>
@@ -414,16 +478,12 @@
         <p:spPr/>
         <p:txBody>
           <a:bodyPr/>
-          <a:lstStyle>
-            <a:lvl1pPr>
-              <a:defRPr/>
-            </a:lvl1pPr>
-          </a:lstStyle>
+          <a:lstStyle/>
           <a:p>
             <a:fld id="{CCA55B72-FEAE-4A7E-BFAD-8E37A453F100}" type="datetimeFigureOut">
               <a:rPr lang="zh-TW" altLang="en-US" smtClean="0"/>
               <a:pPr/>
-              <a:t>2015/7/4</a:t>
+              <a:t>2023/12/9</a:t>
             </a:fld>
             <a:endParaRPr lang="zh-TW" altLang="en-US"/>
           </a:p>
@@ -442,11 +502,7 @@
         <p:spPr/>
         <p:txBody>
           <a:bodyPr/>
-          <a:lstStyle>
-            <a:lvl1pPr>
-              <a:defRPr/>
-            </a:lvl1pPr>
-          </a:lstStyle>
+          <a:lstStyle/>
           <a:p>
             <a:endParaRPr lang="zh-TW" altLang="en-US"/>
           </a:p>
@@ -465,11 +521,7 @@
         <p:spPr/>
         <p:txBody>
           <a:bodyPr/>
-          <a:lstStyle>
-            <a:lvl1pPr>
-              <a:defRPr/>
-            </a:lvl1pPr>
-          </a:lstStyle>
+          <a:lstStyle/>
           <a:p>
             <a:fld id="{40F950A7-3D11-4889-8B57-8D381991982A}" type="slidenum">
               <a:rPr lang="zh-TW" altLang="en-US" smtClean="0"/>
@@ -481,6 +533,11 @@
         </p:txBody>
       </p:sp>
     </p:spTree>
+    <p:extLst>
+      <p:ext uri="{BB962C8B-B14F-4D97-AF65-F5344CB8AC3E}">
+        <p14:creationId xmlns:p14="http://schemas.microsoft.com/office/powerpoint/2010/main" val="4251726950"/>
+      </p:ext>
+    </p:extLst>
   </p:cSld>
   <p:clrMapOvr>
     <a:masterClrMapping/>
@@ -517,8 +574,8 @@
         </p:nvSpPr>
         <p:spPr>
           <a:xfrm>
-            <a:off x="6629400" y="274638"/>
-            <a:ext cx="2057400" cy="5851525"/>
+            <a:off x="8839200" y="274641"/>
+            <a:ext cx="2743200" cy="5851525"/>
           </a:xfrm>
         </p:spPr>
         <p:txBody>
@@ -526,8 +583,8 @@
           <a:lstStyle/>
           <a:p>
             <a:r>
-              <a:rPr lang="zh-TW" altLang="en-US" smtClean="0"/>
-              <a:t>按一下以編輯母片標題樣式</a:t>
+              <a:rPr lang="en-US" altLang="zh-TW"/>
+              <a:t>Click to edit Master title style</a:t>
             </a:r>
             <a:endParaRPr lang="zh-TW" altLang="en-US"/>
           </a:p>
@@ -545,8 +602,8 @@
         </p:nvSpPr>
         <p:spPr>
           <a:xfrm>
-            <a:off x="457200" y="274638"/>
-            <a:ext cx="6019800" cy="5851525"/>
+            <a:off x="609600" y="274641"/>
+            <a:ext cx="8026400" cy="5851525"/>
           </a:xfrm>
         </p:spPr>
         <p:txBody>
@@ -555,36 +612,36 @@
           <a:p>
             <a:pPr lvl="0"/>
             <a:r>
-              <a:rPr lang="zh-TW" altLang="en-US" smtClean="0"/>
-              <a:t>按一下以編輯母片文字樣式</a:t>
+              <a:rPr lang="en-US" altLang="zh-TW"/>
+              <a:t>Edit Master text styles</a:t>
             </a:r>
           </a:p>
           <a:p>
             <a:pPr lvl="1"/>
             <a:r>
-              <a:rPr lang="zh-TW" altLang="en-US" smtClean="0"/>
-              <a:t>第二層</a:t>
+              <a:rPr lang="en-US" altLang="zh-TW"/>
+              <a:t>Second level</a:t>
             </a:r>
           </a:p>
           <a:p>
             <a:pPr lvl="2"/>
             <a:r>
-              <a:rPr lang="zh-TW" altLang="en-US" smtClean="0"/>
-              <a:t>第三層</a:t>
+              <a:rPr lang="en-US" altLang="zh-TW"/>
+              <a:t>Third level</a:t>
             </a:r>
           </a:p>
           <a:p>
             <a:pPr lvl="3"/>
             <a:r>
-              <a:rPr lang="zh-TW" altLang="en-US" smtClean="0"/>
-              <a:t>第四層</a:t>
+              <a:rPr lang="en-US" altLang="zh-TW"/>
+              <a:t>Fourth level</a:t>
             </a:r>
           </a:p>
           <a:p>
             <a:pPr lvl="4"/>
             <a:r>
-              <a:rPr lang="zh-TW" altLang="en-US" smtClean="0"/>
-              <a:t>第五層</a:t>
+              <a:rPr lang="en-US" altLang="zh-TW"/>
+              <a:t>Fifth level</a:t>
             </a:r>
             <a:endParaRPr lang="zh-TW" altLang="en-US"/>
           </a:p>
@@ -603,16 +660,12 @@
         <p:spPr/>
         <p:txBody>
           <a:bodyPr/>
-          <a:lstStyle>
-            <a:lvl1pPr>
-              <a:defRPr/>
-            </a:lvl1pPr>
-          </a:lstStyle>
+          <a:lstStyle/>
           <a:p>
             <a:fld id="{CCA55B72-FEAE-4A7E-BFAD-8E37A453F100}" type="datetimeFigureOut">
               <a:rPr lang="zh-TW" altLang="en-US" smtClean="0"/>
               <a:pPr/>
-              <a:t>2015/7/4</a:t>
+              <a:t>2023/12/9</a:t>
             </a:fld>
             <a:endParaRPr lang="zh-TW" altLang="en-US"/>
           </a:p>
@@ -631,11 +684,7 @@
         <p:spPr/>
         <p:txBody>
           <a:bodyPr/>
-          <a:lstStyle>
-            <a:lvl1pPr>
-              <a:defRPr/>
-            </a:lvl1pPr>
-          </a:lstStyle>
+          <a:lstStyle/>
           <a:p>
             <a:endParaRPr lang="zh-TW" altLang="en-US"/>
           </a:p>
@@ -654,11 +703,7 @@
         <p:spPr/>
         <p:txBody>
           <a:bodyPr/>
-          <a:lstStyle>
-            <a:lvl1pPr>
-              <a:defRPr/>
-            </a:lvl1pPr>
-          </a:lstStyle>
+          <a:lstStyle/>
           <a:p>
             <a:fld id="{40F950A7-3D11-4889-8B57-8D381991982A}" type="slidenum">
               <a:rPr lang="zh-TW" altLang="en-US" smtClean="0"/>
@@ -670,6 +715,11 @@
         </p:txBody>
       </p:sp>
     </p:spTree>
+    <p:extLst>
+      <p:ext uri="{BB962C8B-B14F-4D97-AF65-F5344CB8AC3E}">
+        <p14:creationId xmlns:p14="http://schemas.microsoft.com/office/powerpoint/2010/main" val="3345100176"/>
+      </p:ext>
+    </p:extLst>
   </p:cSld>
   <p:clrMapOvr>
     <a:masterClrMapping/>
@@ -710,8 +760,8 @@
           <a:lstStyle/>
           <a:p>
             <a:r>
-              <a:rPr lang="zh-TW" altLang="en-US" smtClean="0"/>
-              <a:t>按一下以編輯母片標題樣式</a:t>
+              <a:rPr lang="en-US" altLang="zh-TW"/>
+              <a:t>Click to edit Master title style</a:t>
             </a:r>
             <a:endParaRPr lang="zh-TW" altLang="en-US"/>
           </a:p>
@@ -734,36 +784,36 @@
           <a:p>
             <a:pPr lvl="0"/>
             <a:r>
-              <a:rPr lang="zh-TW" altLang="en-US" smtClean="0"/>
-              <a:t>按一下以編輯母片文字樣式</a:t>
+              <a:rPr lang="en-US" altLang="zh-TW"/>
+              <a:t>Edit Master text styles</a:t>
             </a:r>
           </a:p>
           <a:p>
             <a:pPr lvl="1"/>
             <a:r>
-              <a:rPr lang="zh-TW" altLang="en-US" smtClean="0"/>
-              <a:t>第二層</a:t>
+              <a:rPr lang="en-US" altLang="zh-TW"/>
+              <a:t>Second level</a:t>
             </a:r>
           </a:p>
           <a:p>
             <a:pPr lvl="2"/>
             <a:r>
-              <a:rPr lang="zh-TW" altLang="en-US" smtClean="0"/>
-              <a:t>第三層</a:t>
+              <a:rPr lang="en-US" altLang="zh-TW"/>
+              <a:t>Third level</a:t>
             </a:r>
           </a:p>
           <a:p>
             <a:pPr lvl="3"/>
             <a:r>
-              <a:rPr lang="zh-TW" altLang="en-US" smtClean="0"/>
-              <a:t>第四層</a:t>
+              <a:rPr lang="en-US" altLang="zh-TW"/>
+              <a:t>Fourth level</a:t>
             </a:r>
           </a:p>
           <a:p>
             <a:pPr lvl="4"/>
             <a:r>
-              <a:rPr lang="zh-TW" altLang="en-US" smtClean="0"/>
-              <a:t>第五層</a:t>
+              <a:rPr lang="en-US" altLang="zh-TW"/>
+              <a:t>Fifth level</a:t>
             </a:r>
             <a:endParaRPr lang="zh-TW" altLang="en-US"/>
           </a:p>
@@ -782,16 +832,12 @@
         <p:spPr/>
         <p:txBody>
           <a:bodyPr/>
-          <a:lstStyle>
-            <a:lvl1pPr>
-              <a:defRPr/>
-            </a:lvl1pPr>
-          </a:lstStyle>
+          <a:lstStyle/>
           <a:p>
             <a:fld id="{CCA55B72-FEAE-4A7E-BFAD-8E37A453F100}" type="datetimeFigureOut">
               <a:rPr lang="zh-TW" altLang="en-US" smtClean="0"/>
               <a:pPr/>
-              <a:t>2015/7/4</a:t>
+              <a:t>2023/12/9</a:t>
             </a:fld>
             <a:endParaRPr lang="zh-TW" altLang="en-US"/>
           </a:p>
@@ -810,11 +856,7 @@
         <p:spPr/>
         <p:txBody>
           <a:bodyPr/>
-          <a:lstStyle>
-            <a:lvl1pPr>
-              <a:defRPr/>
-            </a:lvl1pPr>
-          </a:lstStyle>
+          <a:lstStyle/>
           <a:p>
             <a:endParaRPr lang="zh-TW" altLang="en-US"/>
           </a:p>
@@ -833,11 +875,7 @@
         <p:spPr/>
         <p:txBody>
           <a:bodyPr/>
-          <a:lstStyle>
-            <a:lvl1pPr>
-              <a:defRPr/>
-            </a:lvl1pPr>
-          </a:lstStyle>
+          <a:lstStyle/>
           <a:p>
             <a:fld id="{40F950A7-3D11-4889-8B57-8D381991982A}" type="slidenum">
               <a:rPr lang="zh-TW" altLang="en-US" smtClean="0"/>
@@ -849,6 +887,11 @@
         </p:txBody>
       </p:sp>
     </p:spTree>
+    <p:extLst>
+      <p:ext uri="{BB962C8B-B14F-4D97-AF65-F5344CB8AC3E}">
+        <p14:creationId xmlns:p14="http://schemas.microsoft.com/office/powerpoint/2010/main" val="557702725"/>
+      </p:ext>
+    </p:extLst>
   </p:cSld>
   <p:clrMapOvr>
     <a:masterClrMapping/>
@@ -885,8 +928,8 @@
         </p:nvSpPr>
         <p:spPr>
           <a:xfrm>
-            <a:off x="722313" y="4406900"/>
-            <a:ext cx="7772400" cy="1362075"/>
+            <a:off x="963084" y="4406903"/>
+            <a:ext cx="10363200" cy="1362075"/>
           </a:xfrm>
         </p:spPr>
         <p:txBody>
@@ -898,8 +941,8 @@
           </a:lstStyle>
           <a:p>
             <a:r>
-              <a:rPr lang="zh-TW" altLang="en-US" smtClean="0"/>
-              <a:t>按一下以編輯母片標題樣式</a:t>
+              <a:rPr lang="en-US" altLang="zh-TW"/>
+              <a:t>Click to edit Master title style</a:t>
             </a:r>
             <a:endParaRPr lang="zh-TW" altLang="en-US"/>
           </a:p>
@@ -917,8 +960,8 @@
         </p:nvSpPr>
         <p:spPr>
           <a:xfrm>
-            <a:off x="722313" y="2906713"/>
-            <a:ext cx="7772400" cy="1500187"/>
+            <a:off x="963084" y="2906713"/>
+            <a:ext cx="10363200" cy="1500187"/>
           </a:xfrm>
         </p:spPr>
         <p:txBody>
@@ -926,46 +969,100 @@
           <a:lstStyle>
             <a:lvl1pPr marL="0" indent="0">
               <a:buNone/>
-              <a:defRPr sz="2000"/>
+              <a:defRPr sz="2000">
+                <a:solidFill>
+                  <a:schemeClr val="tx1">
+                    <a:tint val="75000"/>
+                  </a:schemeClr>
+                </a:solidFill>
+              </a:defRPr>
             </a:lvl1pPr>
-            <a:lvl2pPr marL="457200" indent="0">
-              <a:buNone/>
-              <a:defRPr sz="1800"/>
+            <a:lvl2pPr marL="457189" indent="0">
+              <a:buNone/>
+              <a:defRPr sz="1800">
+                <a:solidFill>
+                  <a:schemeClr val="tx1">
+                    <a:tint val="75000"/>
+                  </a:schemeClr>
+                </a:solidFill>
+              </a:defRPr>
             </a:lvl2pPr>
-            <a:lvl3pPr marL="914400" indent="0">
-              <a:buNone/>
-              <a:defRPr sz="1600"/>
+            <a:lvl3pPr marL="914378" indent="0">
+              <a:buNone/>
+              <a:defRPr sz="1600">
+                <a:solidFill>
+                  <a:schemeClr val="tx1">
+                    <a:tint val="75000"/>
+                  </a:schemeClr>
+                </a:solidFill>
+              </a:defRPr>
             </a:lvl3pPr>
-            <a:lvl4pPr marL="1371600" indent="0">
-              <a:buNone/>
-              <a:defRPr sz="1400"/>
+            <a:lvl4pPr marL="1371566" indent="0">
+              <a:buNone/>
+              <a:defRPr sz="1400">
+                <a:solidFill>
+                  <a:schemeClr val="tx1">
+                    <a:tint val="75000"/>
+                  </a:schemeClr>
+                </a:solidFill>
+              </a:defRPr>
             </a:lvl4pPr>
-            <a:lvl5pPr marL="1828800" indent="0">
-              <a:buNone/>
-              <a:defRPr sz="1400"/>
+            <a:lvl5pPr marL="1828754" indent="0">
+              <a:buNone/>
+              <a:defRPr sz="1400">
+                <a:solidFill>
+                  <a:schemeClr val="tx1">
+                    <a:tint val="75000"/>
+                  </a:schemeClr>
+                </a:solidFill>
+              </a:defRPr>
             </a:lvl5pPr>
-            <a:lvl6pPr marL="2286000" indent="0">
-              <a:buNone/>
-              <a:defRPr sz="1400"/>
+            <a:lvl6pPr marL="2285943" indent="0">
+              <a:buNone/>
+              <a:defRPr sz="1400">
+                <a:solidFill>
+                  <a:schemeClr val="tx1">
+                    <a:tint val="75000"/>
+                  </a:schemeClr>
+                </a:solidFill>
+              </a:defRPr>
             </a:lvl6pPr>
-            <a:lvl7pPr marL="2743200" indent="0">
-              <a:buNone/>
-              <a:defRPr sz="1400"/>
+            <a:lvl7pPr marL="2743132" indent="0">
+              <a:buNone/>
+              <a:defRPr sz="1400">
+                <a:solidFill>
+                  <a:schemeClr val="tx1">
+                    <a:tint val="75000"/>
+                  </a:schemeClr>
+                </a:solidFill>
+              </a:defRPr>
             </a:lvl7pPr>
-            <a:lvl8pPr marL="3200400" indent="0">
-              <a:buNone/>
-              <a:defRPr sz="1400"/>
+            <a:lvl8pPr marL="3200320" indent="0">
+              <a:buNone/>
+              <a:defRPr sz="1400">
+                <a:solidFill>
+                  <a:schemeClr val="tx1">
+                    <a:tint val="75000"/>
+                  </a:schemeClr>
+                </a:solidFill>
+              </a:defRPr>
             </a:lvl8pPr>
-            <a:lvl9pPr marL="3657600" indent="0">
-              <a:buNone/>
-              <a:defRPr sz="1400"/>
+            <a:lvl9pPr marL="3657509" indent="0">
+              <a:buNone/>
+              <a:defRPr sz="1400">
+                <a:solidFill>
+                  <a:schemeClr val="tx1">
+                    <a:tint val="75000"/>
+                  </a:schemeClr>
+                </a:solidFill>
+              </a:defRPr>
             </a:lvl9pPr>
           </a:lstStyle>
           <a:p>
             <a:pPr lvl="0"/>
             <a:r>
-              <a:rPr lang="zh-TW" altLang="en-US" smtClean="0"/>
-              <a:t>按一下以編輯母片文字樣式</a:t>
+              <a:rPr lang="en-US" altLang="zh-TW"/>
+              <a:t>Edit Master text styles</a:t>
             </a:r>
           </a:p>
         </p:txBody>
@@ -983,16 +1080,12 @@
         <p:spPr/>
         <p:txBody>
           <a:bodyPr/>
-          <a:lstStyle>
-            <a:lvl1pPr>
-              <a:defRPr/>
-            </a:lvl1pPr>
-          </a:lstStyle>
+          <a:lstStyle/>
           <a:p>
             <a:fld id="{CCA55B72-FEAE-4A7E-BFAD-8E37A453F100}" type="datetimeFigureOut">
               <a:rPr lang="zh-TW" altLang="en-US" smtClean="0"/>
               <a:pPr/>
-              <a:t>2015/7/4</a:t>
+              <a:t>2023/12/9</a:t>
             </a:fld>
             <a:endParaRPr lang="zh-TW" altLang="en-US"/>
           </a:p>
@@ -1011,11 +1104,7 @@
         <p:spPr/>
         <p:txBody>
           <a:bodyPr/>
-          <a:lstStyle>
-            <a:lvl1pPr>
-              <a:defRPr/>
-            </a:lvl1pPr>
-          </a:lstStyle>
+          <a:lstStyle/>
           <a:p>
             <a:endParaRPr lang="zh-TW" altLang="en-US"/>
           </a:p>
@@ -1034,11 +1123,7 @@
         <p:spPr/>
         <p:txBody>
           <a:bodyPr/>
-          <a:lstStyle>
-            <a:lvl1pPr>
-              <a:defRPr/>
-            </a:lvl1pPr>
-          </a:lstStyle>
+          <a:lstStyle/>
           <a:p>
             <a:fld id="{40F950A7-3D11-4889-8B57-8D381991982A}" type="slidenum">
               <a:rPr lang="zh-TW" altLang="en-US" smtClean="0"/>
@@ -1050,6 +1135,11 @@
         </p:txBody>
       </p:sp>
     </p:spTree>
+    <p:extLst>
+      <p:ext uri="{BB962C8B-B14F-4D97-AF65-F5344CB8AC3E}">
+        <p14:creationId xmlns:p14="http://schemas.microsoft.com/office/powerpoint/2010/main" val="61310952"/>
+      </p:ext>
+    </p:extLst>
   </p:cSld>
   <p:clrMapOvr>
     <a:masterClrMapping/>
@@ -1090,8 +1180,8 @@
           <a:lstStyle/>
           <a:p>
             <a:r>
-              <a:rPr lang="zh-TW" altLang="en-US" smtClean="0"/>
-              <a:t>按一下以編輯母片標題樣式</a:t>
+              <a:rPr lang="en-US" altLang="zh-TW"/>
+              <a:t>Click to edit Master title style</a:t>
             </a:r>
             <a:endParaRPr lang="zh-TW" altLang="en-US"/>
           </a:p>
@@ -1109,8 +1199,8 @@
         </p:nvSpPr>
         <p:spPr>
           <a:xfrm>
-            <a:off x="457200" y="1600200"/>
-            <a:ext cx="4038600" cy="4525963"/>
+            <a:off x="609600" y="1600203"/>
+            <a:ext cx="5384800" cy="4525963"/>
           </a:xfrm>
         </p:spPr>
         <p:txBody>
@@ -1147,36 +1237,36 @@
           <a:p>
             <a:pPr lvl="0"/>
             <a:r>
-              <a:rPr lang="zh-TW" altLang="en-US" smtClean="0"/>
-              <a:t>按一下以編輯母片文字樣式</a:t>
+              <a:rPr lang="en-US" altLang="zh-TW"/>
+              <a:t>Edit Master text styles</a:t>
             </a:r>
           </a:p>
           <a:p>
             <a:pPr lvl="1"/>
             <a:r>
-              <a:rPr lang="zh-TW" altLang="en-US" smtClean="0"/>
-              <a:t>第二層</a:t>
+              <a:rPr lang="en-US" altLang="zh-TW"/>
+              <a:t>Second level</a:t>
             </a:r>
           </a:p>
           <a:p>
             <a:pPr lvl="2"/>
             <a:r>
-              <a:rPr lang="zh-TW" altLang="en-US" smtClean="0"/>
-              <a:t>第三層</a:t>
+              <a:rPr lang="en-US" altLang="zh-TW"/>
+              <a:t>Third level</a:t>
             </a:r>
           </a:p>
           <a:p>
             <a:pPr lvl="3"/>
             <a:r>
-              <a:rPr lang="zh-TW" altLang="en-US" smtClean="0"/>
-              <a:t>第四層</a:t>
+              <a:rPr lang="en-US" altLang="zh-TW"/>
+              <a:t>Fourth level</a:t>
             </a:r>
           </a:p>
           <a:p>
             <a:pPr lvl="4"/>
             <a:r>
-              <a:rPr lang="zh-TW" altLang="en-US" smtClean="0"/>
-              <a:t>第五層</a:t>
+              <a:rPr lang="en-US" altLang="zh-TW"/>
+              <a:t>Fifth level</a:t>
             </a:r>
             <a:endParaRPr lang="zh-TW" altLang="en-US"/>
           </a:p>
@@ -1194,8 +1284,8 @@
         </p:nvSpPr>
         <p:spPr>
           <a:xfrm>
-            <a:off x="4648200" y="1600200"/>
-            <a:ext cx="4038600" cy="4525963"/>
+            <a:off x="6197600" y="1600203"/>
+            <a:ext cx="5384800" cy="4525963"/>
           </a:xfrm>
         </p:spPr>
         <p:txBody>
@@ -1232,36 +1322,36 @@
           <a:p>
             <a:pPr lvl="0"/>
             <a:r>
-              <a:rPr lang="zh-TW" altLang="en-US" smtClean="0"/>
-              <a:t>按一下以編輯母片文字樣式</a:t>
+              <a:rPr lang="en-US" altLang="zh-TW"/>
+              <a:t>Edit Master text styles</a:t>
             </a:r>
           </a:p>
           <a:p>
             <a:pPr lvl="1"/>
             <a:r>
-              <a:rPr lang="zh-TW" altLang="en-US" smtClean="0"/>
-              <a:t>第二層</a:t>
+              <a:rPr lang="en-US" altLang="zh-TW"/>
+              <a:t>Second level</a:t>
             </a:r>
           </a:p>
           <a:p>
             <a:pPr lvl="2"/>
             <a:r>
-              <a:rPr lang="zh-TW" altLang="en-US" smtClean="0"/>
-              <a:t>第三層</a:t>
+              <a:rPr lang="en-US" altLang="zh-TW"/>
+              <a:t>Third level</a:t>
             </a:r>
           </a:p>
           <a:p>
             <a:pPr lvl="3"/>
             <a:r>
-              <a:rPr lang="zh-TW" altLang="en-US" smtClean="0"/>
-              <a:t>第四層</a:t>
+              <a:rPr lang="en-US" altLang="zh-TW"/>
+              <a:t>Fourth level</a:t>
             </a:r>
           </a:p>
           <a:p>
             <a:pPr lvl="4"/>
             <a:r>
-              <a:rPr lang="zh-TW" altLang="en-US" smtClean="0"/>
-              <a:t>第五層</a:t>
+              <a:rPr lang="en-US" altLang="zh-TW"/>
+              <a:t>Fifth level</a:t>
             </a:r>
             <a:endParaRPr lang="zh-TW" altLang="en-US"/>
           </a:p>
@@ -1280,16 +1370,12 @@
         <p:spPr/>
         <p:txBody>
           <a:bodyPr/>
-          <a:lstStyle>
-            <a:lvl1pPr>
-              <a:defRPr/>
-            </a:lvl1pPr>
-          </a:lstStyle>
+          <a:lstStyle/>
           <a:p>
             <a:fld id="{CCA55B72-FEAE-4A7E-BFAD-8E37A453F100}" type="datetimeFigureOut">
               <a:rPr lang="zh-TW" altLang="en-US" smtClean="0"/>
               <a:pPr/>
-              <a:t>2015/7/4</a:t>
+              <a:t>2023/12/9</a:t>
             </a:fld>
             <a:endParaRPr lang="zh-TW" altLang="en-US"/>
           </a:p>
@@ -1308,11 +1394,7 @@
         <p:spPr/>
         <p:txBody>
           <a:bodyPr/>
-          <a:lstStyle>
-            <a:lvl1pPr>
-              <a:defRPr/>
-            </a:lvl1pPr>
-          </a:lstStyle>
+          <a:lstStyle/>
           <a:p>
             <a:endParaRPr lang="zh-TW" altLang="en-US"/>
           </a:p>
@@ -1331,11 +1413,7 @@
         <p:spPr/>
         <p:txBody>
           <a:bodyPr/>
-          <a:lstStyle>
-            <a:lvl1pPr>
-              <a:defRPr/>
-            </a:lvl1pPr>
-          </a:lstStyle>
+          <a:lstStyle/>
           <a:p>
             <a:fld id="{40F950A7-3D11-4889-8B57-8D381991982A}" type="slidenum">
               <a:rPr lang="zh-TW" altLang="en-US" smtClean="0"/>
@@ -1347,6 +1425,11 @@
         </p:txBody>
       </p:sp>
     </p:spTree>
+    <p:extLst>
+      <p:ext uri="{BB962C8B-B14F-4D97-AF65-F5344CB8AC3E}">
+        <p14:creationId xmlns:p14="http://schemas.microsoft.com/office/powerpoint/2010/main" val="1300171828"/>
+      </p:ext>
+    </p:extLst>
   </p:cSld>
   <p:clrMapOvr>
     <a:masterClrMapping/>
@@ -1391,8 +1474,8 @@
           </a:lstStyle>
           <a:p>
             <a:r>
-              <a:rPr lang="zh-TW" altLang="en-US" smtClean="0"/>
-              <a:t>按一下以編輯母片標題樣式</a:t>
+              <a:rPr lang="en-US" altLang="zh-TW"/>
+              <a:t>Click to edit Master title style</a:t>
             </a:r>
             <a:endParaRPr lang="zh-TW" altLang="en-US"/>
           </a:p>
@@ -1410,8 +1493,8 @@
         </p:nvSpPr>
         <p:spPr>
           <a:xfrm>
-            <a:off x="457200" y="1535113"/>
-            <a:ext cx="4040188" cy="639762"/>
+            <a:off x="609600" y="1535115"/>
+            <a:ext cx="5386917" cy="639763"/>
           </a:xfrm>
         </p:spPr>
         <p:txBody>
@@ -1421,35 +1504,35 @@
               <a:buNone/>
               <a:defRPr sz="2400" b="1"/>
             </a:lvl1pPr>
-            <a:lvl2pPr marL="457200" indent="0">
+            <a:lvl2pPr marL="457189" indent="0">
               <a:buNone/>
               <a:defRPr sz="2000" b="1"/>
             </a:lvl2pPr>
-            <a:lvl3pPr marL="914400" indent="0">
+            <a:lvl3pPr marL="914378" indent="0">
               <a:buNone/>
               <a:defRPr sz="1800" b="1"/>
             </a:lvl3pPr>
-            <a:lvl4pPr marL="1371600" indent="0">
+            <a:lvl4pPr marL="1371566" indent="0">
               <a:buNone/>
               <a:defRPr sz="1600" b="1"/>
             </a:lvl4pPr>
-            <a:lvl5pPr marL="1828800" indent="0">
+            <a:lvl5pPr marL="1828754" indent="0">
               <a:buNone/>
               <a:defRPr sz="1600" b="1"/>
             </a:lvl5pPr>
-            <a:lvl6pPr marL="2286000" indent="0">
+            <a:lvl6pPr marL="2285943" indent="0">
               <a:buNone/>
               <a:defRPr sz="1600" b="1"/>
             </a:lvl6pPr>
-            <a:lvl7pPr marL="2743200" indent="0">
+            <a:lvl7pPr marL="2743132" indent="0">
               <a:buNone/>
               <a:defRPr sz="1600" b="1"/>
             </a:lvl7pPr>
-            <a:lvl8pPr marL="3200400" indent="0">
+            <a:lvl8pPr marL="3200320" indent="0">
               <a:buNone/>
               <a:defRPr sz="1600" b="1"/>
             </a:lvl8pPr>
-            <a:lvl9pPr marL="3657600" indent="0">
+            <a:lvl9pPr marL="3657509" indent="0">
               <a:buNone/>
               <a:defRPr sz="1600" b="1"/>
             </a:lvl9pPr>
@@ -1457,8 +1540,8 @@
           <a:p>
             <a:pPr lvl="0"/>
             <a:r>
-              <a:rPr lang="zh-TW" altLang="en-US" smtClean="0"/>
-              <a:t>按一下以編輯母片文字樣式</a:t>
+              <a:rPr lang="en-US" altLang="zh-TW"/>
+              <a:t>Edit Master text styles</a:t>
             </a:r>
           </a:p>
         </p:txBody>
@@ -1475,8 +1558,8 @@
         </p:nvSpPr>
         <p:spPr>
           <a:xfrm>
-            <a:off x="457200" y="2174875"/>
-            <a:ext cx="4040188" cy="3951288"/>
+            <a:off x="609600" y="2174875"/>
+            <a:ext cx="5386917" cy="3951288"/>
           </a:xfrm>
         </p:spPr>
         <p:txBody>
@@ -1513,36 +1596,36 @@
           <a:p>
             <a:pPr lvl="0"/>
             <a:r>
-              <a:rPr lang="zh-TW" altLang="en-US" smtClean="0"/>
-              <a:t>按一下以編輯母片文字樣式</a:t>
+              <a:rPr lang="en-US" altLang="zh-TW"/>
+              <a:t>Edit Master text styles</a:t>
             </a:r>
           </a:p>
           <a:p>
             <a:pPr lvl="1"/>
             <a:r>
-              <a:rPr lang="zh-TW" altLang="en-US" smtClean="0"/>
-              <a:t>第二層</a:t>
+              <a:rPr lang="en-US" altLang="zh-TW"/>
+              <a:t>Second level</a:t>
             </a:r>
           </a:p>
           <a:p>
             <a:pPr lvl="2"/>
             <a:r>
-              <a:rPr lang="zh-TW" altLang="en-US" smtClean="0"/>
-              <a:t>第三層</a:t>
+              <a:rPr lang="en-US" altLang="zh-TW"/>
+              <a:t>Third level</a:t>
             </a:r>
           </a:p>
           <a:p>
             <a:pPr lvl="3"/>
             <a:r>
-              <a:rPr lang="zh-TW" altLang="en-US" smtClean="0"/>
-              <a:t>第四層</a:t>
+              <a:rPr lang="en-US" altLang="zh-TW"/>
+              <a:t>Fourth level</a:t>
             </a:r>
           </a:p>
           <a:p>
             <a:pPr lvl="4"/>
             <a:r>
-              <a:rPr lang="zh-TW" altLang="en-US" smtClean="0"/>
-              <a:t>第五層</a:t>
+              <a:rPr lang="en-US" altLang="zh-TW"/>
+              <a:t>Fifth level</a:t>
             </a:r>
             <a:endParaRPr lang="zh-TW" altLang="en-US"/>
           </a:p>
@@ -1560,8 +1643,8 @@
         </p:nvSpPr>
         <p:spPr>
           <a:xfrm>
-            <a:off x="4645025" y="1535113"/>
-            <a:ext cx="4041775" cy="639762"/>
+            <a:off x="6193373" y="1535115"/>
+            <a:ext cx="5389033" cy="639763"/>
           </a:xfrm>
         </p:spPr>
         <p:txBody>
@@ -1571,35 +1654,35 @@
               <a:buNone/>
               <a:defRPr sz="2400" b="1"/>
             </a:lvl1pPr>
-            <a:lvl2pPr marL="457200" indent="0">
+            <a:lvl2pPr marL="457189" indent="0">
               <a:buNone/>
               <a:defRPr sz="2000" b="1"/>
             </a:lvl2pPr>
-            <a:lvl3pPr marL="914400" indent="0">
+            <a:lvl3pPr marL="914378" indent="0">
               <a:buNone/>
               <a:defRPr sz="1800" b="1"/>
             </a:lvl3pPr>
-            <a:lvl4pPr marL="1371600" indent="0">
+            <a:lvl4pPr marL="1371566" indent="0">
               <a:buNone/>
               <a:defRPr sz="1600" b="1"/>
             </a:lvl4pPr>
-            <a:lvl5pPr marL="1828800" indent="0">
+            <a:lvl5pPr marL="1828754" indent="0">
               <a:buNone/>
               <a:defRPr sz="1600" b="1"/>
             </a:lvl5pPr>
-            <a:lvl6pPr marL="2286000" indent="0">
+            <a:lvl6pPr marL="2285943" indent="0">
               <a:buNone/>
               <a:defRPr sz="1600" b="1"/>
             </a:lvl6pPr>
-            <a:lvl7pPr marL="2743200" indent="0">
+            <a:lvl7pPr marL="2743132" indent="0">
               <a:buNone/>
               <a:defRPr sz="1600" b="1"/>
             </a:lvl7pPr>
-            <a:lvl8pPr marL="3200400" indent="0">
+            <a:lvl8pPr marL="3200320" indent="0">
               <a:buNone/>
               <a:defRPr sz="1600" b="1"/>
             </a:lvl8pPr>
-            <a:lvl9pPr marL="3657600" indent="0">
+            <a:lvl9pPr marL="3657509" indent="0">
               <a:buNone/>
               <a:defRPr sz="1600" b="1"/>
             </a:lvl9pPr>
@@ -1607,8 +1690,8 @@
           <a:p>
             <a:pPr lvl="0"/>
             <a:r>
-              <a:rPr lang="zh-TW" altLang="en-US" smtClean="0"/>
-              <a:t>按一下以編輯母片文字樣式</a:t>
+              <a:rPr lang="en-US" altLang="zh-TW"/>
+              <a:t>Edit Master text styles</a:t>
             </a:r>
           </a:p>
         </p:txBody>
@@ -1625,8 +1708,8 @@
         </p:nvSpPr>
         <p:spPr>
           <a:xfrm>
-            <a:off x="4645025" y="2174875"/>
-            <a:ext cx="4041775" cy="3951288"/>
+            <a:off x="6193373" y="2174875"/>
+            <a:ext cx="5389033" cy="3951288"/>
           </a:xfrm>
         </p:spPr>
         <p:txBody>
@@ -1663,36 +1746,36 @@
           <a:p>
             <a:pPr lvl="0"/>
             <a:r>
-              <a:rPr lang="zh-TW" altLang="en-US" smtClean="0"/>
-              <a:t>按一下以編輯母片文字樣式</a:t>
+              <a:rPr lang="en-US" altLang="zh-TW"/>
+              <a:t>Edit Master text styles</a:t>
             </a:r>
           </a:p>
           <a:p>
             <a:pPr lvl="1"/>
             <a:r>
-              <a:rPr lang="zh-TW" altLang="en-US" smtClean="0"/>
-              <a:t>第二層</a:t>
+              <a:rPr lang="en-US" altLang="zh-TW"/>
+              <a:t>Second level</a:t>
             </a:r>
           </a:p>
           <a:p>
             <a:pPr lvl="2"/>
             <a:r>
-              <a:rPr lang="zh-TW" altLang="en-US" smtClean="0"/>
-              <a:t>第三層</a:t>
+              <a:rPr lang="en-US" altLang="zh-TW"/>
+              <a:t>Third level</a:t>
             </a:r>
           </a:p>
           <a:p>
             <a:pPr lvl="3"/>
             <a:r>
-              <a:rPr lang="zh-TW" altLang="en-US" smtClean="0"/>
-              <a:t>第四層</a:t>
+              <a:rPr lang="en-US" altLang="zh-TW"/>
+              <a:t>Fourth level</a:t>
             </a:r>
           </a:p>
           <a:p>
             <a:pPr lvl="4"/>
             <a:r>
-              <a:rPr lang="zh-TW" altLang="en-US" smtClean="0"/>
-              <a:t>第五層</a:t>
+              <a:rPr lang="en-US" altLang="zh-TW"/>
+              <a:t>Fifth level</a:t>
             </a:r>
             <a:endParaRPr lang="zh-TW" altLang="en-US"/>
           </a:p>
@@ -1711,16 +1794,12 @@
         <p:spPr/>
         <p:txBody>
           <a:bodyPr/>
-          <a:lstStyle>
-            <a:lvl1pPr>
-              <a:defRPr/>
-            </a:lvl1pPr>
-          </a:lstStyle>
+          <a:lstStyle/>
           <a:p>
             <a:fld id="{CCA55B72-FEAE-4A7E-BFAD-8E37A453F100}" type="datetimeFigureOut">
               <a:rPr lang="zh-TW" altLang="en-US" smtClean="0"/>
               <a:pPr/>
-              <a:t>2015/7/4</a:t>
+              <a:t>2023/12/9</a:t>
             </a:fld>
             <a:endParaRPr lang="zh-TW" altLang="en-US"/>
           </a:p>
@@ -1739,11 +1818,7 @@
         <p:spPr/>
         <p:txBody>
           <a:bodyPr/>
-          <a:lstStyle>
-            <a:lvl1pPr>
-              <a:defRPr/>
-            </a:lvl1pPr>
-          </a:lstStyle>
+          <a:lstStyle/>
           <a:p>
             <a:endParaRPr lang="zh-TW" altLang="en-US"/>
           </a:p>
@@ -1762,11 +1837,7 @@
         <p:spPr/>
         <p:txBody>
           <a:bodyPr/>
-          <a:lstStyle>
-            <a:lvl1pPr>
-              <a:defRPr/>
-            </a:lvl1pPr>
-          </a:lstStyle>
+          <a:lstStyle/>
           <a:p>
             <a:fld id="{40F950A7-3D11-4889-8B57-8D381991982A}" type="slidenum">
               <a:rPr lang="zh-TW" altLang="en-US" smtClean="0"/>
@@ -1778,6 +1849,11 @@
         </p:txBody>
       </p:sp>
     </p:spTree>
+    <p:extLst>
+      <p:ext uri="{BB962C8B-B14F-4D97-AF65-F5344CB8AC3E}">
+        <p14:creationId xmlns:p14="http://schemas.microsoft.com/office/powerpoint/2010/main" val="507027018"/>
+      </p:ext>
+    </p:extLst>
   </p:cSld>
   <p:clrMapOvr>
     <a:masterClrMapping/>
@@ -1818,8 +1894,8 @@
           <a:lstStyle/>
           <a:p>
             <a:r>
-              <a:rPr lang="zh-TW" altLang="en-US" smtClean="0"/>
-              <a:t>按一下以編輯母片標題樣式</a:t>
+              <a:rPr lang="en-US" altLang="zh-TW"/>
+              <a:t>Click to edit Master title style</a:t>
             </a:r>
             <a:endParaRPr lang="zh-TW" altLang="en-US"/>
           </a:p>
@@ -1838,16 +1914,12 @@
         <p:spPr/>
         <p:txBody>
           <a:bodyPr/>
-          <a:lstStyle>
-            <a:lvl1pPr>
-              <a:defRPr/>
-            </a:lvl1pPr>
-          </a:lstStyle>
+          <a:lstStyle/>
           <a:p>
             <a:fld id="{CCA55B72-FEAE-4A7E-BFAD-8E37A453F100}" type="datetimeFigureOut">
               <a:rPr lang="zh-TW" altLang="en-US" smtClean="0"/>
               <a:pPr/>
-              <a:t>2015/7/4</a:t>
+              <a:t>2023/12/9</a:t>
             </a:fld>
             <a:endParaRPr lang="zh-TW" altLang="en-US"/>
           </a:p>
@@ -1866,11 +1938,7 @@
         <p:spPr/>
         <p:txBody>
           <a:bodyPr/>
-          <a:lstStyle>
-            <a:lvl1pPr>
-              <a:defRPr/>
-            </a:lvl1pPr>
-          </a:lstStyle>
+          <a:lstStyle/>
           <a:p>
             <a:endParaRPr lang="zh-TW" altLang="en-US"/>
           </a:p>
@@ -1889,11 +1957,7 @@
         <p:spPr/>
         <p:txBody>
           <a:bodyPr/>
-          <a:lstStyle>
-            <a:lvl1pPr>
-              <a:defRPr/>
-            </a:lvl1pPr>
-          </a:lstStyle>
+          <a:lstStyle/>
           <a:p>
             <a:fld id="{40F950A7-3D11-4889-8B57-8D381991982A}" type="slidenum">
               <a:rPr lang="zh-TW" altLang="en-US" smtClean="0"/>
@@ -1905,6 +1969,11 @@
         </p:txBody>
       </p:sp>
     </p:spTree>
+    <p:extLst>
+      <p:ext uri="{BB962C8B-B14F-4D97-AF65-F5344CB8AC3E}">
+        <p14:creationId xmlns:p14="http://schemas.microsoft.com/office/powerpoint/2010/main" val="2333085004"/>
+      </p:ext>
+    </p:extLst>
   </p:cSld>
   <p:clrMapOvr>
     <a:masterClrMapping/>
@@ -1942,16 +2011,12 @@
         <p:spPr/>
         <p:txBody>
           <a:bodyPr/>
-          <a:lstStyle>
-            <a:lvl1pPr>
-              <a:defRPr/>
-            </a:lvl1pPr>
-          </a:lstStyle>
+          <a:lstStyle/>
           <a:p>
             <a:fld id="{CCA55B72-FEAE-4A7E-BFAD-8E37A453F100}" type="datetimeFigureOut">
               <a:rPr lang="zh-TW" altLang="en-US" smtClean="0"/>
               <a:pPr/>
-              <a:t>2015/7/4</a:t>
+              <a:t>2023/12/9</a:t>
             </a:fld>
             <a:endParaRPr lang="zh-TW" altLang="en-US"/>
           </a:p>
@@ -1970,11 +2035,7 @@
         <p:spPr/>
         <p:txBody>
           <a:bodyPr/>
-          <a:lstStyle>
-            <a:lvl1pPr>
-              <a:defRPr/>
-            </a:lvl1pPr>
-          </a:lstStyle>
+          <a:lstStyle/>
           <a:p>
             <a:endParaRPr lang="zh-TW" altLang="en-US"/>
           </a:p>
@@ -1993,11 +2054,7 @@
         <p:spPr/>
         <p:txBody>
           <a:bodyPr/>
-          <a:lstStyle>
-            <a:lvl1pPr>
-              <a:defRPr/>
-            </a:lvl1pPr>
-          </a:lstStyle>
+          <a:lstStyle/>
           <a:p>
             <a:fld id="{40F950A7-3D11-4889-8B57-8D381991982A}" type="slidenum">
               <a:rPr lang="zh-TW" altLang="en-US" smtClean="0"/>
@@ -2009,6 +2066,11 @@
         </p:txBody>
       </p:sp>
     </p:spTree>
+    <p:extLst>
+      <p:ext uri="{BB962C8B-B14F-4D97-AF65-F5344CB8AC3E}">
+        <p14:creationId xmlns:p14="http://schemas.microsoft.com/office/powerpoint/2010/main" val="1158512836"/>
+      </p:ext>
+    </p:extLst>
   </p:cSld>
   <p:clrMapOvr>
     <a:masterClrMapping/>
@@ -2045,8 +2107,8 @@
         </p:nvSpPr>
         <p:spPr>
           <a:xfrm>
-            <a:off x="457200" y="273050"/>
-            <a:ext cx="3008313" cy="1162050"/>
+            <a:off x="609603" y="273051"/>
+            <a:ext cx="4011084" cy="1162051"/>
           </a:xfrm>
         </p:spPr>
         <p:txBody>
@@ -2058,8 +2120,8 @@
           </a:lstStyle>
           <a:p>
             <a:r>
-              <a:rPr lang="zh-TW" altLang="en-US" smtClean="0"/>
-              <a:t>按一下以編輯母片標題樣式</a:t>
+              <a:rPr lang="en-US" altLang="zh-TW"/>
+              <a:t>Click to edit Master title style</a:t>
             </a:r>
             <a:endParaRPr lang="zh-TW" altLang="en-US"/>
           </a:p>
@@ -2077,8 +2139,8 @@
         </p:nvSpPr>
         <p:spPr>
           <a:xfrm>
-            <a:off x="3575050" y="273050"/>
-            <a:ext cx="5111750" cy="5853113"/>
+            <a:off x="4766733" y="273055"/>
+            <a:ext cx="6815667" cy="5853113"/>
           </a:xfrm>
         </p:spPr>
         <p:txBody>
@@ -2115,36 +2177,36 @@
           <a:p>
             <a:pPr lvl="0"/>
             <a:r>
-              <a:rPr lang="zh-TW" altLang="en-US" smtClean="0"/>
-              <a:t>按一下以編輯母片文字樣式</a:t>
+              <a:rPr lang="en-US" altLang="zh-TW"/>
+              <a:t>Edit Master text styles</a:t>
             </a:r>
           </a:p>
           <a:p>
             <a:pPr lvl="1"/>
             <a:r>
-              <a:rPr lang="zh-TW" altLang="en-US" smtClean="0"/>
-              <a:t>第二層</a:t>
+              <a:rPr lang="en-US" altLang="zh-TW"/>
+              <a:t>Second level</a:t>
             </a:r>
           </a:p>
           <a:p>
             <a:pPr lvl="2"/>
             <a:r>
-              <a:rPr lang="zh-TW" altLang="en-US" smtClean="0"/>
-              <a:t>第三層</a:t>
+              <a:rPr lang="en-US" altLang="zh-TW"/>
+              <a:t>Third level</a:t>
             </a:r>
           </a:p>
           <a:p>
             <a:pPr lvl="3"/>
             <a:r>
-              <a:rPr lang="zh-TW" altLang="en-US" smtClean="0"/>
-              <a:t>第四層</a:t>
+              <a:rPr lang="en-US" altLang="zh-TW"/>
+              <a:t>Fourth level</a:t>
             </a:r>
           </a:p>
           <a:p>
             <a:pPr lvl="4"/>
             <a:r>
-              <a:rPr lang="zh-TW" altLang="en-US" smtClean="0"/>
-              <a:t>第五層</a:t>
+              <a:rPr lang="en-US" altLang="zh-TW"/>
+              <a:t>Fifth level</a:t>
             </a:r>
             <a:endParaRPr lang="zh-TW" altLang="en-US"/>
           </a:p>
@@ -2162,8 +2224,8 @@
         </p:nvSpPr>
         <p:spPr>
           <a:xfrm>
-            <a:off x="457200" y="1435100"/>
-            <a:ext cx="3008313" cy="4691063"/>
+            <a:off x="609603" y="1435103"/>
+            <a:ext cx="4011084" cy="4691063"/>
           </a:xfrm>
         </p:spPr>
         <p:txBody>
@@ -2173,35 +2235,35 @@
               <a:buNone/>
               <a:defRPr sz="1400"/>
             </a:lvl1pPr>
-            <a:lvl2pPr marL="457200" indent="0">
+            <a:lvl2pPr marL="457189" indent="0">
               <a:buNone/>
               <a:defRPr sz="1200"/>
             </a:lvl2pPr>
-            <a:lvl3pPr marL="914400" indent="0">
+            <a:lvl3pPr marL="914378" indent="0">
               <a:buNone/>
               <a:defRPr sz="1000"/>
             </a:lvl3pPr>
-            <a:lvl4pPr marL="1371600" indent="0">
+            <a:lvl4pPr marL="1371566" indent="0">
               <a:buNone/>
               <a:defRPr sz="900"/>
             </a:lvl4pPr>
-            <a:lvl5pPr marL="1828800" indent="0">
+            <a:lvl5pPr marL="1828754" indent="0">
               <a:buNone/>
               <a:defRPr sz="900"/>
             </a:lvl5pPr>
-            <a:lvl6pPr marL="2286000" indent="0">
+            <a:lvl6pPr marL="2285943" indent="0">
               <a:buNone/>
               <a:defRPr sz="900"/>
             </a:lvl6pPr>
-            <a:lvl7pPr marL="2743200" indent="0">
+            <a:lvl7pPr marL="2743132" indent="0">
               <a:buNone/>
               <a:defRPr sz="900"/>
             </a:lvl7pPr>
-            <a:lvl8pPr marL="3200400" indent="0">
+            <a:lvl8pPr marL="3200320" indent="0">
               <a:buNone/>
               <a:defRPr sz="900"/>
             </a:lvl8pPr>
-            <a:lvl9pPr marL="3657600" indent="0">
+            <a:lvl9pPr marL="3657509" indent="0">
               <a:buNone/>
               <a:defRPr sz="900"/>
             </a:lvl9pPr>
@@ -2209,8 +2271,8 @@
           <a:p>
             <a:pPr lvl="0"/>
             <a:r>
-              <a:rPr lang="zh-TW" altLang="en-US" smtClean="0"/>
-              <a:t>按一下以編輯母片文字樣式</a:t>
+              <a:rPr lang="en-US" altLang="zh-TW"/>
+              <a:t>Edit Master text styles</a:t>
             </a:r>
           </a:p>
         </p:txBody>
@@ -2228,16 +2290,12 @@
         <p:spPr/>
         <p:txBody>
           <a:bodyPr/>
-          <a:lstStyle>
-            <a:lvl1pPr>
-              <a:defRPr/>
-            </a:lvl1pPr>
-          </a:lstStyle>
+          <a:lstStyle/>
           <a:p>
             <a:fld id="{CCA55B72-FEAE-4A7E-BFAD-8E37A453F100}" type="datetimeFigureOut">
               <a:rPr lang="zh-TW" altLang="en-US" smtClean="0"/>
               <a:pPr/>
-              <a:t>2015/7/4</a:t>
+              <a:t>2023/12/9</a:t>
             </a:fld>
             <a:endParaRPr lang="zh-TW" altLang="en-US"/>
           </a:p>
@@ -2256,11 +2314,7 @@
         <p:spPr/>
         <p:txBody>
           <a:bodyPr/>
-          <a:lstStyle>
-            <a:lvl1pPr>
-              <a:defRPr/>
-            </a:lvl1pPr>
-          </a:lstStyle>
+          <a:lstStyle/>
           <a:p>
             <a:endParaRPr lang="zh-TW" altLang="en-US"/>
           </a:p>
@@ -2279,11 +2333,7 @@
         <p:spPr/>
         <p:txBody>
           <a:bodyPr/>
-          <a:lstStyle>
-            <a:lvl1pPr>
-              <a:defRPr/>
-            </a:lvl1pPr>
-          </a:lstStyle>
+          <a:lstStyle/>
           <a:p>
             <a:fld id="{40F950A7-3D11-4889-8B57-8D381991982A}" type="slidenum">
               <a:rPr lang="zh-TW" altLang="en-US" smtClean="0"/>
@@ -2295,6 +2345,11 @@
         </p:txBody>
       </p:sp>
     </p:spTree>
+    <p:extLst>
+      <p:ext uri="{BB962C8B-B14F-4D97-AF65-F5344CB8AC3E}">
+        <p14:creationId xmlns:p14="http://schemas.microsoft.com/office/powerpoint/2010/main" val="4286607024"/>
+      </p:ext>
+    </p:extLst>
   </p:cSld>
   <p:clrMapOvr>
     <a:masterClrMapping/>
@@ -2331,8 +2386,8 @@
         </p:nvSpPr>
         <p:spPr>
           <a:xfrm>
-            <a:off x="1792288" y="4800600"/>
-            <a:ext cx="5486400" cy="566738"/>
+            <a:off x="2389717" y="4800603"/>
+            <a:ext cx="7315200" cy="566739"/>
           </a:xfrm>
         </p:spPr>
         <p:txBody>
@@ -2344,8 +2399,8 @@
           </a:lstStyle>
           <a:p>
             <a:r>
-              <a:rPr lang="zh-TW" altLang="en-US" smtClean="0"/>
-              <a:t>按一下以編輯母片標題樣式</a:t>
+              <a:rPr lang="en-US" altLang="zh-TW"/>
+              <a:t>Click to edit Master title style</a:t>
             </a:r>
             <a:endParaRPr lang="zh-TW" altLang="en-US"/>
           </a:p>
@@ -2363,8 +2418,8 @@
         </p:nvSpPr>
         <p:spPr>
           <a:xfrm>
-            <a:off x="1792288" y="612775"/>
-            <a:ext cx="5486400" cy="4114800"/>
+            <a:off x="2389717" y="612775"/>
+            <a:ext cx="7315200" cy="4114800"/>
           </a:xfrm>
         </p:spPr>
         <p:txBody>
@@ -2374,43 +2429,43 @@
               <a:buNone/>
               <a:defRPr sz="3200"/>
             </a:lvl1pPr>
-            <a:lvl2pPr marL="457200" indent="0">
+            <a:lvl2pPr marL="457189" indent="0">
               <a:buNone/>
               <a:defRPr sz="2800"/>
             </a:lvl2pPr>
-            <a:lvl3pPr marL="914400" indent="0">
+            <a:lvl3pPr marL="914378" indent="0">
               <a:buNone/>
               <a:defRPr sz="2400"/>
             </a:lvl3pPr>
-            <a:lvl4pPr marL="1371600" indent="0">
+            <a:lvl4pPr marL="1371566" indent="0">
               <a:buNone/>
               <a:defRPr sz="2000"/>
             </a:lvl4pPr>
-            <a:lvl5pPr marL="1828800" indent="0">
+            <a:lvl5pPr marL="1828754" indent="0">
               <a:buNone/>
               <a:defRPr sz="2000"/>
             </a:lvl5pPr>
-            <a:lvl6pPr marL="2286000" indent="0">
+            <a:lvl6pPr marL="2285943" indent="0">
               <a:buNone/>
               <a:defRPr sz="2000"/>
             </a:lvl6pPr>
-            <a:lvl7pPr marL="2743200" indent="0">
+            <a:lvl7pPr marL="2743132" indent="0">
               <a:buNone/>
               <a:defRPr sz="2000"/>
             </a:lvl7pPr>
-            <a:lvl8pPr marL="3200400" indent="0">
+            <a:lvl8pPr marL="3200320" indent="0">
               <a:buNone/>
               <a:defRPr sz="2000"/>
             </a:lvl8pPr>
-            <a:lvl9pPr marL="3657600" indent="0">
+            <a:lvl9pPr marL="3657509" indent="0">
               <a:buNone/>
               <a:defRPr sz="2000"/>
             </a:lvl9pPr>
           </a:lstStyle>
           <a:p>
             <a:r>
-              <a:rPr lang="zh-TW" altLang="en-US" smtClean="0"/>
-              <a:t>按一下圖示以新增圖片</a:t>
+              <a:rPr lang="en-US" altLang="zh-TW"/>
+              <a:t>Click icon to add picture</a:t>
             </a:r>
             <a:endParaRPr lang="zh-TW" altLang="en-US"/>
           </a:p>
@@ -2428,8 +2483,8 @@
         </p:nvSpPr>
         <p:spPr>
           <a:xfrm>
-            <a:off x="1792288" y="5367338"/>
-            <a:ext cx="5486400" cy="804862"/>
+            <a:off x="2389717" y="5367341"/>
+            <a:ext cx="7315200" cy="804863"/>
           </a:xfrm>
         </p:spPr>
         <p:txBody>
@@ -2439,35 +2494,35 @@
               <a:buNone/>
               <a:defRPr sz="1400"/>
             </a:lvl1pPr>
-            <a:lvl2pPr marL="457200" indent="0">
+            <a:lvl2pPr marL="457189" indent="0">
               <a:buNone/>
               <a:defRPr sz="1200"/>
             </a:lvl2pPr>
-            <a:lvl3pPr marL="914400" indent="0">
+            <a:lvl3pPr marL="914378" indent="0">
               <a:buNone/>
               <a:defRPr sz="1000"/>
             </a:lvl3pPr>
-            <a:lvl4pPr marL="1371600" indent="0">
+            <a:lvl4pPr marL="1371566" indent="0">
               <a:buNone/>
               <a:defRPr sz="900"/>
             </a:lvl4pPr>
-            <a:lvl5pPr marL="1828800" indent="0">
+            <a:lvl5pPr marL="1828754" indent="0">
               <a:buNone/>
               <a:defRPr sz="900"/>
             </a:lvl5pPr>
-            <a:lvl6pPr marL="2286000" indent="0">
+            <a:lvl6pPr marL="2285943" indent="0">
               <a:buNone/>
               <a:defRPr sz="900"/>
             </a:lvl6pPr>
-            <a:lvl7pPr marL="2743200" indent="0">
+            <a:lvl7pPr marL="2743132" indent="0">
               <a:buNone/>
               <a:defRPr sz="900"/>
             </a:lvl7pPr>
-            <a:lvl8pPr marL="3200400" indent="0">
+            <a:lvl8pPr marL="3200320" indent="0">
               <a:buNone/>
               <a:defRPr sz="900"/>
             </a:lvl8pPr>
-            <a:lvl9pPr marL="3657600" indent="0">
+            <a:lvl9pPr marL="3657509" indent="0">
               <a:buNone/>
               <a:defRPr sz="900"/>
             </a:lvl9pPr>
@@ -2475,8 +2530,8 @@
           <a:p>
             <a:pPr lvl="0"/>
             <a:r>
-              <a:rPr lang="zh-TW" altLang="en-US" smtClean="0"/>
-              <a:t>按一下以編輯母片文字樣式</a:t>
+              <a:rPr lang="en-US" altLang="zh-TW"/>
+              <a:t>Edit Master text styles</a:t>
             </a:r>
           </a:p>
         </p:txBody>
@@ -2494,16 +2549,12 @@
         <p:spPr/>
         <p:txBody>
           <a:bodyPr/>
-          <a:lstStyle>
-            <a:lvl1pPr>
-              <a:defRPr/>
-            </a:lvl1pPr>
-          </a:lstStyle>
+          <a:lstStyle/>
           <a:p>
             <a:fld id="{CCA55B72-FEAE-4A7E-BFAD-8E37A453F100}" type="datetimeFigureOut">
               <a:rPr lang="zh-TW" altLang="en-US" smtClean="0"/>
               <a:pPr/>
-              <a:t>2015/7/4</a:t>
+              <a:t>2023/12/9</a:t>
             </a:fld>
             <a:endParaRPr lang="zh-TW" altLang="en-US"/>
           </a:p>
@@ -2522,11 +2573,7 @@
         <p:spPr/>
         <p:txBody>
           <a:bodyPr/>
-          <a:lstStyle>
-            <a:lvl1pPr>
-              <a:defRPr/>
-            </a:lvl1pPr>
-          </a:lstStyle>
+          <a:lstStyle/>
           <a:p>
             <a:endParaRPr lang="zh-TW" altLang="en-US"/>
           </a:p>
@@ -2545,11 +2592,7 @@
         <p:spPr/>
         <p:txBody>
           <a:bodyPr/>
-          <a:lstStyle>
-            <a:lvl1pPr>
-              <a:defRPr/>
-            </a:lvl1pPr>
-          </a:lstStyle>
+          <a:lstStyle/>
           <a:p>
             <a:fld id="{40F950A7-3D11-4889-8B57-8D381991982A}" type="slidenum">
               <a:rPr lang="zh-TW" altLang="en-US" smtClean="0"/>
@@ -2561,6 +2604,11 @@
         </p:txBody>
       </p:sp>
     </p:spTree>
+    <p:extLst>
+      <p:ext uri="{BB962C8B-B14F-4D97-AF65-F5344CB8AC3E}">
+        <p14:creationId xmlns:p14="http://schemas.microsoft.com/office/powerpoint/2010/main" val="2617310830"/>
+      </p:ext>
+    </p:extLst>
   </p:cSld>
   <p:clrMapOvr>
     <a:masterClrMapping/>
@@ -2573,12 +2621,10 @@
   <p:cSld>
     <p:bg>
       <p:bgPr>
-        <a:blipFill dpi="0" rotWithShape="0">
+        <a:blipFill dpi="0" rotWithShape="1">
           <a:blip r:embed="rId13"/>
           <a:srcRect/>
-          <a:stretch>
-            <a:fillRect/>
-          </a:stretch>
+          <a:tile tx="0" ty="0" sx="100000" sy="100000" flip="none" algn="tl"/>
         </a:blipFill>
         <a:effectLst/>
       </p:bgPr>
@@ -2599,155 +2645,126 @@
       </p:grpSpPr>
       <p:sp>
         <p:nvSpPr>
-          <p:cNvPr id="1026" name="Rectangle 2"/>
-          <p:cNvSpPr>
-            <a:spLocks noGrp="1" noChangeArrowheads="1"/>
+          <p:cNvPr id="2" name="標題版面配置區 1"/>
+          <p:cNvSpPr>
+            <a:spLocks noGrp="1"/>
           </p:cNvSpPr>
           <p:nvPr>
             <p:ph type="title"/>
           </p:nvPr>
         </p:nvSpPr>
-        <p:spPr bwMode="auto">
+        <p:spPr>
           <a:xfrm>
-            <a:off x="457200" y="274638"/>
-            <a:ext cx="8229600" cy="1143000"/>
+            <a:off x="609600" y="274637"/>
+            <a:ext cx="10972800" cy="1143000"/>
           </a:xfrm>
           <a:prstGeom prst="rect">
             <a:avLst/>
           </a:prstGeom>
-          <a:noFill/>
-          <a:ln w="9525">
-            <a:noFill/>
-            <a:miter lim="800000"/>
-            <a:headEnd/>
-            <a:tailEnd/>
-          </a:ln>
-          <a:effectLst/>
         </p:spPr>
         <p:txBody>
-          <a:bodyPr vert="horz" wrap="square" lIns="91440" tIns="45720" rIns="91440" bIns="45720" numCol="1" anchor="ctr" anchorCtr="0" compatLnSpc="1">
-            <a:prstTxWarp prst="textNoShape">
-              <a:avLst/>
-            </a:prstTxWarp>
+          <a:bodyPr vert="horz" lIns="91440" tIns="45720" rIns="91440" bIns="45720" rtlCol="0" anchor="ctr">
+            <a:normAutofit/>
           </a:bodyPr>
           <a:lstStyle/>
           <a:p>
-            <a:pPr lvl="0"/>
-            <a:r>
-              <a:rPr lang="es-ES" altLang="zh-CN" smtClean="0"/>
-              <a:t>Haga clic para cambiar el estilo de título	</a:t>
-            </a:r>
-          </a:p>
-        </p:txBody>
-      </p:sp>
-      <p:sp>
-        <p:nvSpPr>
-          <p:cNvPr id="1027" name="Rectangle 3"/>
-          <p:cNvSpPr>
-            <a:spLocks noGrp="1" noChangeArrowheads="1"/>
+            <a:r>
+              <a:rPr lang="zh-TW" altLang="en-US"/>
+              <a:t>按一下以編輯母片標題樣式</a:t>
+            </a:r>
+          </a:p>
+        </p:txBody>
+      </p:sp>
+      <p:sp>
+        <p:nvSpPr>
+          <p:cNvPr id="3" name="文字版面配置區 2"/>
+          <p:cNvSpPr>
+            <a:spLocks noGrp="1"/>
           </p:cNvSpPr>
           <p:nvPr>
             <p:ph type="body" idx="1"/>
           </p:nvPr>
         </p:nvSpPr>
-        <p:spPr bwMode="auto">
+        <p:spPr>
           <a:xfrm>
-            <a:off x="457200" y="1600200"/>
-            <a:ext cx="8229600" cy="4525963"/>
+            <a:off x="609600" y="1600203"/>
+            <a:ext cx="10972800" cy="4525963"/>
           </a:xfrm>
           <a:prstGeom prst="rect">
             <a:avLst/>
           </a:prstGeom>
-          <a:noFill/>
-          <a:ln w="9525">
-            <a:noFill/>
-            <a:miter lim="800000"/>
-            <a:headEnd/>
-            <a:tailEnd/>
-          </a:ln>
-          <a:effectLst/>
         </p:spPr>
         <p:txBody>
-          <a:bodyPr vert="horz" wrap="square" lIns="91440" tIns="45720" rIns="91440" bIns="45720" numCol="1" anchor="t" anchorCtr="0" compatLnSpc="1">
-            <a:prstTxWarp prst="textNoShape">
-              <a:avLst/>
-            </a:prstTxWarp>
+          <a:bodyPr vert="horz" lIns="91440" tIns="45720" rIns="91440" bIns="45720" rtlCol="0">
+            <a:normAutofit/>
           </a:bodyPr>
           <a:lstStyle/>
           <a:p>
             <a:pPr lvl="0"/>
             <a:r>
-              <a:rPr lang="es-ES" altLang="zh-CN" smtClean="0"/>
-              <a:t>Haga clic para modificar el estilo de texto del patrón</a:t>
+              <a:rPr lang="zh-TW" altLang="en-US"/>
+              <a:t>按一下以編輯母片文字樣式</a:t>
             </a:r>
           </a:p>
           <a:p>
             <a:pPr lvl="1"/>
             <a:r>
-              <a:rPr lang="es-ES" altLang="zh-CN" smtClean="0"/>
-              <a:t>Segundo nivel</a:t>
+              <a:rPr lang="zh-TW" altLang="en-US"/>
+              <a:t>第二層</a:t>
             </a:r>
           </a:p>
           <a:p>
             <a:pPr lvl="2"/>
             <a:r>
-              <a:rPr lang="es-ES" altLang="zh-CN" smtClean="0"/>
-              <a:t>Tercer nivel</a:t>
+              <a:rPr lang="zh-TW" altLang="en-US"/>
+              <a:t>第三層</a:t>
             </a:r>
           </a:p>
           <a:p>
             <a:pPr lvl="3"/>
             <a:r>
-              <a:rPr lang="es-ES" altLang="zh-CN" smtClean="0"/>
-              <a:t>Cuarto nivel</a:t>
+              <a:rPr lang="zh-TW" altLang="en-US"/>
+              <a:t>第四層</a:t>
             </a:r>
           </a:p>
           <a:p>
             <a:pPr lvl="4"/>
             <a:r>
-              <a:rPr lang="es-ES" altLang="zh-CN" smtClean="0"/>
-              <a:t>Quinto nivel</a:t>
-            </a:r>
-          </a:p>
-        </p:txBody>
-      </p:sp>
-      <p:sp>
-        <p:nvSpPr>
-          <p:cNvPr id="1028" name="Rectangle 4"/>
-          <p:cNvSpPr>
-            <a:spLocks noGrp="1" noChangeArrowheads="1"/>
+              <a:rPr lang="zh-TW" altLang="en-US"/>
+              <a:t>第五層</a:t>
+            </a:r>
+          </a:p>
+        </p:txBody>
+      </p:sp>
+      <p:sp>
+        <p:nvSpPr>
+          <p:cNvPr id="4" name="日期版面配置區 3"/>
+          <p:cNvSpPr>
+            <a:spLocks noGrp="1"/>
           </p:cNvSpPr>
           <p:nvPr>
             <p:ph type="dt" sz="half" idx="2"/>
           </p:nvPr>
         </p:nvSpPr>
-        <p:spPr bwMode="auto">
+        <p:spPr>
           <a:xfrm>
-            <a:off x="457200" y="6245225"/>
-            <a:ext cx="2133600" cy="476250"/>
+            <a:off x="609600" y="6356354"/>
+            <a:ext cx="2844800" cy="365125"/>
           </a:xfrm>
           <a:prstGeom prst="rect">
             <a:avLst/>
           </a:prstGeom>
-          <a:noFill/>
-          <a:ln w="9525">
-            <a:noFill/>
-            <a:miter lim="800000"/>
-            <a:headEnd/>
-            <a:tailEnd/>
-          </a:ln>
-          <a:effectLst/>
         </p:spPr>
         <p:txBody>
-          <a:bodyPr vert="horz" wrap="square" lIns="91440" tIns="45720" rIns="91440" bIns="45720" numCol="1" anchor="t" anchorCtr="0" compatLnSpc="1">
-            <a:prstTxWarp prst="textNoShape">
-              <a:avLst/>
-            </a:prstTxWarp>
-          </a:bodyPr>
+          <a:bodyPr vert="horz" lIns="91440" tIns="45720" rIns="91440" bIns="45720" rtlCol="0" anchor="ctr"/>
           <a:lstStyle>
-            <a:lvl1pPr>
-              <a:defRPr sz="1400">
-                <a:ea typeface="宋体" pitchFamily="2" charset="-122"/>
+            <a:lvl1pPr algn="l">
+              <a:defRPr sz="1200">
+                <a:solidFill>
+                  <a:schemeClr val="tx1">
+                    <a:tint val="75000"/>
+                  </a:schemeClr>
+                </a:solidFill>
               </a:defRPr>
             </a:lvl1pPr>
           </a:lstStyle>
@@ -2755,7 +2772,7 @@
             <a:fld id="{CCA55B72-FEAE-4A7E-BFAD-8E37A453F100}" type="datetimeFigureOut">
               <a:rPr lang="zh-TW" altLang="en-US" smtClean="0"/>
               <a:pPr/>
-              <a:t>2015/7/4</a:t>
+              <a:t>2023/12/9</a:t>
             </a:fld>
             <a:endParaRPr lang="zh-TW" altLang="en-US"/>
           </a:p>
@@ -2763,41 +2780,33 @@
       </p:sp>
       <p:sp>
         <p:nvSpPr>
-          <p:cNvPr id="1029" name="Rectangle 5"/>
-          <p:cNvSpPr>
-            <a:spLocks noGrp="1" noChangeArrowheads="1"/>
+          <p:cNvPr id="5" name="頁尾版面配置區 4"/>
+          <p:cNvSpPr>
+            <a:spLocks noGrp="1"/>
           </p:cNvSpPr>
           <p:nvPr>
             <p:ph type="ftr" sz="quarter" idx="3"/>
           </p:nvPr>
         </p:nvSpPr>
-        <p:spPr bwMode="auto">
+        <p:spPr>
           <a:xfrm>
-            <a:off x="3124200" y="6245225"/>
-            <a:ext cx="2895600" cy="476250"/>
+            <a:off x="4165600" y="6356354"/>
+            <a:ext cx="3860800" cy="365125"/>
           </a:xfrm>
           <a:prstGeom prst="rect">
             <a:avLst/>
           </a:prstGeom>
-          <a:noFill/>
-          <a:ln w="9525">
-            <a:noFill/>
-            <a:miter lim="800000"/>
-            <a:headEnd/>
-            <a:tailEnd/>
-          </a:ln>
-          <a:effectLst/>
         </p:spPr>
         <p:txBody>
-          <a:bodyPr vert="horz" wrap="square" lIns="91440" tIns="45720" rIns="91440" bIns="45720" numCol="1" anchor="t" anchorCtr="0" compatLnSpc="1">
-            <a:prstTxWarp prst="textNoShape">
-              <a:avLst/>
-            </a:prstTxWarp>
-          </a:bodyPr>
+          <a:bodyPr vert="horz" lIns="91440" tIns="45720" rIns="91440" bIns="45720" rtlCol="0" anchor="ctr"/>
           <a:lstStyle>
             <a:lvl1pPr algn="ctr">
-              <a:defRPr sz="1400">
-                <a:ea typeface="宋体" pitchFamily="2" charset="-122"/>
+              <a:defRPr sz="1200">
+                <a:solidFill>
+                  <a:schemeClr val="tx1">
+                    <a:tint val="75000"/>
+                  </a:schemeClr>
+                </a:solidFill>
               </a:defRPr>
             </a:lvl1pPr>
           </a:lstStyle>
@@ -2808,41 +2817,33 @@
       </p:sp>
       <p:sp>
         <p:nvSpPr>
-          <p:cNvPr id="1030" name="Rectangle 6"/>
-          <p:cNvSpPr>
-            <a:spLocks noGrp="1" noChangeArrowheads="1"/>
+          <p:cNvPr id="6" name="投影片編號版面配置區 5"/>
+          <p:cNvSpPr>
+            <a:spLocks noGrp="1"/>
           </p:cNvSpPr>
           <p:nvPr>
             <p:ph type="sldNum" sz="quarter" idx="4"/>
           </p:nvPr>
         </p:nvSpPr>
-        <p:spPr bwMode="auto">
+        <p:spPr>
           <a:xfrm>
-            <a:off x="6553200" y="6245225"/>
-            <a:ext cx="2133600" cy="476250"/>
+            <a:off x="8737600" y="6356354"/>
+            <a:ext cx="2844800" cy="365125"/>
           </a:xfrm>
           <a:prstGeom prst="rect">
             <a:avLst/>
           </a:prstGeom>
-          <a:noFill/>
-          <a:ln w="9525">
-            <a:noFill/>
-            <a:miter lim="800000"/>
-            <a:headEnd/>
-            <a:tailEnd/>
-          </a:ln>
-          <a:effectLst/>
         </p:spPr>
         <p:txBody>
-          <a:bodyPr vert="horz" wrap="square" lIns="91440" tIns="45720" rIns="91440" bIns="45720" numCol="1" anchor="t" anchorCtr="0" compatLnSpc="1">
-            <a:prstTxWarp prst="textNoShape">
-              <a:avLst/>
-            </a:prstTxWarp>
-          </a:bodyPr>
+          <a:bodyPr vert="horz" lIns="91440" tIns="45720" rIns="91440" bIns="45720" rtlCol="0" anchor="ctr"/>
           <a:lstStyle>
             <a:lvl1pPr algn="r">
-              <a:defRPr sz="1400">
-                <a:ea typeface="宋体" pitchFamily="2" charset="-122"/>
+              <a:defRPr sz="1200">
+                <a:solidFill>
+                  <a:schemeClr val="tx1">
+                    <a:tint val="75000"/>
+                  </a:schemeClr>
+                </a:solidFill>
               </a:defRPr>
             </a:lvl1pPr>
           </a:lstStyle>
@@ -2857,170 +2858,51 @@
         </p:txBody>
       </p:sp>
     </p:spTree>
+    <p:extLst>
+      <p:ext uri="{BB962C8B-B14F-4D97-AF65-F5344CB8AC3E}">
+        <p14:creationId xmlns:p14="http://schemas.microsoft.com/office/powerpoint/2010/main" val="440188455"/>
+      </p:ext>
+    </p:extLst>
   </p:cSld>
   <p:clrMap bg1="lt1" tx1="dk1" bg2="lt2" tx2="dk2" accent1="accent1" accent2="accent2" accent3="accent3" accent4="accent4" accent5="accent5" accent6="accent6" hlink="hlink" folHlink="folHlink"/>
   <p:sldLayoutIdLst>
-    <p:sldLayoutId id="2147483678" r:id="rId1"/>
-    <p:sldLayoutId id="2147483679" r:id="rId2"/>
-    <p:sldLayoutId id="2147483680" r:id="rId3"/>
-    <p:sldLayoutId id="2147483681" r:id="rId4"/>
-    <p:sldLayoutId id="2147483682" r:id="rId5"/>
-    <p:sldLayoutId id="2147483683" r:id="rId6"/>
-    <p:sldLayoutId id="2147483684" r:id="rId7"/>
-    <p:sldLayoutId id="2147483685" r:id="rId8"/>
-    <p:sldLayoutId id="2147483686" r:id="rId9"/>
-    <p:sldLayoutId id="2147483687" r:id="rId10"/>
-    <p:sldLayoutId id="2147483688" r:id="rId11"/>
+    <p:sldLayoutId id="2147483690" r:id="rId1"/>
+    <p:sldLayoutId id="2147483691" r:id="rId2"/>
+    <p:sldLayoutId id="2147483692" r:id="rId3"/>
+    <p:sldLayoutId id="2147483693" r:id="rId4"/>
+    <p:sldLayoutId id="2147483694" r:id="rId5"/>
+    <p:sldLayoutId id="2147483695" r:id="rId6"/>
+    <p:sldLayoutId id="2147483696" r:id="rId7"/>
+    <p:sldLayoutId id="2147483697" r:id="rId8"/>
+    <p:sldLayoutId id="2147483698" r:id="rId9"/>
+    <p:sldLayoutId id="2147483699" r:id="rId10"/>
+    <p:sldLayoutId id="2147483700" r:id="rId11"/>
   </p:sldLayoutIdLst>
   <p:txStyles>
     <p:titleStyle>
-      <a:lvl1pPr algn="ctr" rtl="0" eaLnBrk="1" fontAlgn="base" hangingPunct="1">
+      <a:lvl1pPr algn="ctr" defTabSz="914378" rtl="0" eaLnBrk="1" latinLnBrk="0" hangingPunct="1">
         <a:spcBef>
           <a:spcPct val="0"/>
         </a:spcBef>
-        <a:spcAft>
-          <a:spcPct val="0"/>
-        </a:spcAft>
-        <a:defRPr sz="4400">
+        <a:buNone/>
+        <a:defRPr sz="4400" kern="1200">
           <a:solidFill>
-            <a:schemeClr val="tx2"/>
+            <a:schemeClr val="tx1"/>
           </a:solidFill>
           <a:latin typeface="+mj-lt"/>
           <a:ea typeface="+mj-ea"/>
           <a:cs typeface="+mj-cs"/>
         </a:defRPr>
       </a:lvl1pPr>
-      <a:lvl2pPr algn="ctr" rtl="0" eaLnBrk="1" fontAlgn="base" hangingPunct="1">
-        <a:spcBef>
-          <a:spcPct val="0"/>
-        </a:spcBef>
-        <a:spcAft>
-          <a:spcPct val="0"/>
-        </a:spcAft>
-        <a:defRPr sz="4400">
-          <a:solidFill>
-            <a:schemeClr val="tx2"/>
-          </a:solidFill>
-          <a:latin typeface="Arial" charset="0"/>
-          <a:cs typeface="Arial" charset="0"/>
-        </a:defRPr>
-      </a:lvl2pPr>
-      <a:lvl3pPr algn="ctr" rtl="0" eaLnBrk="1" fontAlgn="base" hangingPunct="1">
-        <a:spcBef>
-          <a:spcPct val="0"/>
-        </a:spcBef>
-        <a:spcAft>
-          <a:spcPct val="0"/>
-        </a:spcAft>
-        <a:defRPr sz="4400">
-          <a:solidFill>
-            <a:schemeClr val="tx2"/>
-          </a:solidFill>
-          <a:latin typeface="Arial" charset="0"/>
-          <a:cs typeface="Arial" charset="0"/>
-        </a:defRPr>
-      </a:lvl3pPr>
-      <a:lvl4pPr algn="ctr" rtl="0" eaLnBrk="1" fontAlgn="base" hangingPunct="1">
-        <a:spcBef>
-          <a:spcPct val="0"/>
-        </a:spcBef>
-        <a:spcAft>
-          <a:spcPct val="0"/>
-        </a:spcAft>
-        <a:defRPr sz="4400">
-          <a:solidFill>
-            <a:schemeClr val="tx2"/>
-          </a:solidFill>
-          <a:latin typeface="Arial" charset="0"/>
-          <a:cs typeface="Arial" charset="0"/>
-        </a:defRPr>
-      </a:lvl4pPr>
-      <a:lvl5pPr algn="ctr" rtl="0" eaLnBrk="1" fontAlgn="base" hangingPunct="1">
-        <a:spcBef>
-          <a:spcPct val="0"/>
-        </a:spcBef>
-        <a:spcAft>
-          <a:spcPct val="0"/>
-        </a:spcAft>
-        <a:defRPr sz="4400">
-          <a:solidFill>
-            <a:schemeClr val="tx2"/>
-          </a:solidFill>
-          <a:latin typeface="Arial" charset="0"/>
-          <a:cs typeface="Arial" charset="0"/>
-        </a:defRPr>
-      </a:lvl5pPr>
-      <a:lvl6pPr marL="457200" algn="ctr" rtl="0" eaLnBrk="1" fontAlgn="base" hangingPunct="1">
-        <a:spcBef>
-          <a:spcPct val="0"/>
-        </a:spcBef>
-        <a:spcAft>
-          <a:spcPct val="0"/>
-        </a:spcAft>
-        <a:defRPr sz="4400">
-          <a:solidFill>
-            <a:schemeClr val="tx2"/>
-          </a:solidFill>
-          <a:latin typeface="Arial" charset="0"/>
-          <a:cs typeface="Arial" charset="0"/>
-        </a:defRPr>
-      </a:lvl6pPr>
-      <a:lvl7pPr marL="914400" algn="ctr" rtl="0" eaLnBrk="1" fontAlgn="base" hangingPunct="1">
-        <a:spcBef>
-          <a:spcPct val="0"/>
-        </a:spcBef>
-        <a:spcAft>
-          <a:spcPct val="0"/>
-        </a:spcAft>
-        <a:defRPr sz="4400">
-          <a:solidFill>
-            <a:schemeClr val="tx2"/>
-          </a:solidFill>
-          <a:latin typeface="Arial" charset="0"/>
-          <a:cs typeface="Arial" charset="0"/>
-        </a:defRPr>
-      </a:lvl7pPr>
-      <a:lvl8pPr marL="1371600" algn="ctr" rtl="0" eaLnBrk="1" fontAlgn="base" hangingPunct="1">
-        <a:spcBef>
-          <a:spcPct val="0"/>
-        </a:spcBef>
-        <a:spcAft>
-          <a:spcPct val="0"/>
-        </a:spcAft>
-        <a:defRPr sz="4400">
-          <a:solidFill>
-            <a:schemeClr val="tx2"/>
-          </a:solidFill>
-          <a:latin typeface="Arial" charset="0"/>
-          <a:cs typeface="Arial" charset="0"/>
-        </a:defRPr>
-      </a:lvl8pPr>
-      <a:lvl9pPr marL="1828800" algn="ctr" rtl="0" eaLnBrk="1" fontAlgn="base" hangingPunct="1">
-        <a:spcBef>
-          <a:spcPct val="0"/>
-        </a:spcBef>
-        <a:spcAft>
-          <a:spcPct val="0"/>
-        </a:spcAft>
-        <a:defRPr sz="4400">
-          <a:solidFill>
-            <a:schemeClr val="tx2"/>
-          </a:solidFill>
-          <a:latin typeface="Arial" charset="0"/>
-          <a:cs typeface="Arial" charset="0"/>
-        </a:defRPr>
-      </a:lvl9pPr>
     </p:titleStyle>
     <p:bodyStyle>
-      <a:lvl1pPr marL="342900" indent="-342900" algn="l" rtl="0" eaLnBrk="1" fontAlgn="base" hangingPunct="1">
+      <a:lvl1pPr marL="342892" indent="-342892" algn="l" defTabSz="914378" rtl="0" eaLnBrk="1" latinLnBrk="0" hangingPunct="1">
         <a:spcBef>
           <a:spcPct val="20000"/>
         </a:spcBef>
-        <a:spcAft>
-          <a:spcPct val="0"/>
-        </a:spcAft>
+        <a:buFont typeface="Arial" panose="02080604020202020204" pitchFamily="34" charset="0"/>
         <a:buChar char="•"/>
-        <a:defRPr sz="3200">
+        <a:defRPr sz="3200" kern="1200">
           <a:solidFill>
             <a:schemeClr val="tx1"/>
           </a:solidFill>
@@ -3029,131 +2911,123 @@
           <a:cs typeface="+mn-cs"/>
         </a:defRPr>
       </a:lvl1pPr>
-      <a:lvl2pPr marL="742950" indent="-285750" algn="l" rtl="0" eaLnBrk="1" fontAlgn="base" hangingPunct="1">
+      <a:lvl2pPr marL="742931" indent="-285743" algn="l" defTabSz="914378" rtl="0" eaLnBrk="1" latinLnBrk="0" hangingPunct="1">
         <a:spcBef>
           <a:spcPct val="20000"/>
         </a:spcBef>
-        <a:spcAft>
-          <a:spcPct val="0"/>
-        </a:spcAft>
+        <a:buFont typeface="Arial" panose="02080604020202020204" pitchFamily="34" charset="0"/>
         <a:buChar char="–"/>
-        <a:defRPr sz="2800">
+        <a:defRPr sz="2800" kern="1200">
           <a:solidFill>
             <a:schemeClr val="tx1"/>
           </a:solidFill>
           <a:latin typeface="+mn-lt"/>
+          <a:ea typeface="+mn-ea"/>
           <a:cs typeface="+mn-cs"/>
         </a:defRPr>
       </a:lvl2pPr>
-      <a:lvl3pPr marL="1143000" indent="-228600" algn="l" rtl="0" eaLnBrk="1" fontAlgn="base" hangingPunct="1">
+      <a:lvl3pPr marL="1142972" indent="-228594" algn="l" defTabSz="914378" rtl="0" eaLnBrk="1" latinLnBrk="0" hangingPunct="1">
         <a:spcBef>
           <a:spcPct val="20000"/>
         </a:spcBef>
-        <a:spcAft>
-          <a:spcPct val="0"/>
-        </a:spcAft>
+        <a:buFont typeface="Arial" panose="02080604020202020204" pitchFamily="34" charset="0"/>
         <a:buChar char="•"/>
-        <a:defRPr sz="2400">
+        <a:defRPr sz="2400" kern="1200">
           <a:solidFill>
             <a:schemeClr val="tx1"/>
           </a:solidFill>
           <a:latin typeface="+mn-lt"/>
+          <a:ea typeface="+mn-ea"/>
           <a:cs typeface="+mn-cs"/>
         </a:defRPr>
       </a:lvl3pPr>
-      <a:lvl4pPr marL="1600200" indent="-228600" algn="l" rtl="0" eaLnBrk="1" fontAlgn="base" hangingPunct="1">
+      <a:lvl4pPr marL="1600160" indent="-228594" algn="l" defTabSz="914378" rtl="0" eaLnBrk="1" latinLnBrk="0" hangingPunct="1">
         <a:spcBef>
           <a:spcPct val="20000"/>
         </a:spcBef>
-        <a:spcAft>
-          <a:spcPct val="0"/>
-        </a:spcAft>
+        <a:buFont typeface="Arial" panose="02080604020202020204" pitchFamily="34" charset="0"/>
         <a:buChar char="–"/>
-        <a:defRPr sz="2000">
+        <a:defRPr sz="2000" kern="1200">
           <a:solidFill>
             <a:schemeClr val="tx1"/>
           </a:solidFill>
           <a:latin typeface="+mn-lt"/>
+          <a:ea typeface="+mn-ea"/>
           <a:cs typeface="+mn-cs"/>
         </a:defRPr>
       </a:lvl4pPr>
-      <a:lvl5pPr marL="2057400" indent="-228600" algn="l" rtl="0" eaLnBrk="1" fontAlgn="base" hangingPunct="1">
+      <a:lvl5pPr marL="2057348" indent="-228594" algn="l" defTabSz="914378" rtl="0" eaLnBrk="1" latinLnBrk="0" hangingPunct="1">
         <a:spcBef>
           <a:spcPct val="20000"/>
         </a:spcBef>
-        <a:spcAft>
-          <a:spcPct val="0"/>
-        </a:spcAft>
+        <a:buFont typeface="Arial" panose="02080604020202020204" pitchFamily="34" charset="0"/>
         <a:buChar char="»"/>
-        <a:defRPr sz="2000">
+        <a:defRPr sz="2000" kern="1200">
           <a:solidFill>
             <a:schemeClr val="tx1"/>
           </a:solidFill>
           <a:latin typeface="+mn-lt"/>
+          <a:ea typeface="+mn-ea"/>
           <a:cs typeface="+mn-cs"/>
         </a:defRPr>
       </a:lvl5pPr>
-      <a:lvl6pPr marL="2514600" indent="-228600" algn="l" rtl="0" eaLnBrk="1" fontAlgn="base" hangingPunct="1">
+      <a:lvl6pPr marL="2514537" indent="-228594" algn="l" defTabSz="914378" rtl="0" eaLnBrk="1" latinLnBrk="0" hangingPunct="1">
         <a:spcBef>
           <a:spcPct val="20000"/>
         </a:spcBef>
-        <a:spcAft>
-          <a:spcPct val="0"/>
-        </a:spcAft>
-        <a:buChar char="»"/>
-        <a:defRPr sz="2000">
+        <a:buFont typeface="Arial" panose="02080604020202020204" pitchFamily="34" charset="0"/>
+        <a:buChar char="•"/>
+        <a:defRPr sz="2000" kern="1200">
           <a:solidFill>
             <a:schemeClr val="tx1"/>
           </a:solidFill>
           <a:latin typeface="+mn-lt"/>
+          <a:ea typeface="+mn-ea"/>
           <a:cs typeface="+mn-cs"/>
         </a:defRPr>
       </a:lvl6pPr>
-      <a:lvl7pPr marL="2971800" indent="-228600" algn="l" rtl="0" eaLnBrk="1" fontAlgn="base" hangingPunct="1">
+      <a:lvl7pPr marL="2971726" indent="-228594" algn="l" defTabSz="914378" rtl="0" eaLnBrk="1" latinLnBrk="0" hangingPunct="1">
         <a:spcBef>
           <a:spcPct val="20000"/>
         </a:spcBef>
-        <a:spcAft>
-          <a:spcPct val="0"/>
-        </a:spcAft>
-        <a:buChar char="»"/>
-        <a:defRPr sz="2000">
+        <a:buFont typeface="Arial" panose="02080604020202020204" pitchFamily="34" charset="0"/>
+        <a:buChar char="•"/>
+        <a:defRPr sz="2000" kern="1200">
           <a:solidFill>
             <a:schemeClr val="tx1"/>
           </a:solidFill>
           <a:latin typeface="+mn-lt"/>
+          <a:ea typeface="+mn-ea"/>
           <a:cs typeface="+mn-cs"/>
         </a:defRPr>
       </a:lvl7pPr>
-      <a:lvl8pPr marL="3429000" indent="-228600" algn="l" rtl="0" eaLnBrk="1" fontAlgn="base" hangingPunct="1">
+      <a:lvl8pPr marL="3428915" indent="-228594" algn="l" defTabSz="914378" rtl="0" eaLnBrk="1" latinLnBrk="0" hangingPunct="1">
         <a:spcBef>
           <a:spcPct val="20000"/>
         </a:spcBef>
-        <a:spcAft>
-          <a:spcPct val="0"/>
-        </a:spcAft>
-        <a:buChar char="»"/>
-        <a:defRPr sz="2000">
+        <a:buFont typeface="Arial" panose="02080604020202020204" pitchFamily="34" charset="0"/>
+        <a:buChar char="•"/>
+        <a:defRPr sz="2000" kern="1200">
           <a:solidFill>
             <a:schemeClr val="tx1"/>
           </a:solidFill>
           <a:latin typeface="+mn-lt"/>
+          <a:ea typeface="+mn-ea"/>
           <a:cs typeface="+mn-cs"/>
         </a:defRPr>
       </a:lvl8pPr>
-      <a:lvl9pPr marL="3886200" indent="-228600" algn="l" rtl="0" eaLnBrk="1" fontAlgn="base" hangingPunct="1">
+      <a:lvl9pPr marL="3886103" indent="-228594" algn="l" defTabSz="914378" rtl="0" eaLnBrk="1" latinLnBrk="0" hangingPunct="1">
         <a:spcBef>
           <a:spcPct val="20000"/>
         </a:spcBef>
-        <a:spcAft>
-          <a:spcPct val="0"/>
-        </a:spcAft>
-        <a:buChar char="»"/>
-        <a:defRPr sz="2000">
+        <a:buFont typeface="Arial" panose="02080604020202020204" pitchFamily="34" charset="0"/>
+        <a:buChar char="•"/>
+        <a:defRPr sz="2000" kern="1200">
           <a:solidFill>
             <a:schemeClr val="tx1"/>
           </a:solidFill>
           <a:latin typeface="+mn-lt"/>
+          <a:ea typeface="+mn-ea"/>
           <a:cs typeface="+mn-cs"/>
         </a:defRPr>
       </a:lvl9pPr>
@@ -3162,7 +3036,7 @@
       <a:defPPr>
         <a:defRPr lang="zh-TW"/>
       </a:defPPr>
-      <a:lvl1pPr marL="0" algn="l" defTabSz="914400" rtl="0" eaLnBrk="1" latinLnBrk="0" hangingPunct="1">
+      <a:lvl1pPr marL="0" algn="l" defTabSz="914378" rtl="0" eaLnBrk="1" latinLnBrk="0" hangingPunct="1">
         <a:defRPr sz="1800" kern="1200">
           <a:solidFill>
             <a:schemeClr val="tx1"/>
@@ -3172,7 +3046,7 @@
           <a:cs typeface="+mn-cs"/>
         </a:defRPr>
       </a:lvl1pPr>
-      <a:lvl2pPr marL="457200" algn="l" defTabSz="914400" rtl="0" eaLnBrk="1" latinLnBrk="0" hangingPunct="1">
+      <a:lvl2pPr marL="457189" algn="l" defTabSz="914378" rtl="0" eaLnBrk="1" latinLnBrk="0" hangingPunct="1">
         <a:defRPr sz="1800" kern="1200">
           <a:solidFill>
             <a:schemeClr val="tx1"/>
@@ -3182,7 +3056,7 @@
           <a:cs typeface="+mn-cs"/>
         </a:defRPr>
       </a:lvl2pPr>
-      <a:lvl3pPr marL="914400" algn="l" defTabSz="914400" rtl="0" eaLnBrk="1" latinLnBrk="0" hangingPunct="1">
+      <a:lvl3pPr marL="914378" algn="l" defTabSz="914378" rtl="0" eaLnBrk="1" latinLnBrk="0" hangingPunct="1">
         <a:defRPr sz="1800" kern="1200">
           <a:solidFill>
             <a:schemeClr val="tx1"/>
@@ -3192,7 +3066,7 @@
           <a:cs typeface="+mn-cs"/>
         </a:defRPr>
       </a:lvl3pPr>
-      <a:lvl4pPr marL="1371600" algn="l" defTabSz="914400" rtl="0" eaLnBrk="1" latinLnBrk="0" hangingPunct="1">
+      <a:lvl4pPr marL="1371566" algn="l" defTabSz="914378" rtl="0" eaLnBrk="1" latinLnBrk="0" hangingPunct="1">
         <a:defRPr sz="1800" kern="1200">
           <a:solidFill>
             <a:schemeClr val="tx1"/>
@@ -3202,7 +3076,7 @@
           <a:cs typeface="+mn-cs"/>
         </a:defRPr>
       </a:lvl4pPr>
-      <a:lvl5pPr marL="1828800" algn="l" defTabSz="914400" rtl="0" eaLnBrk="1" latinLnBrk="0" hangingPunct="1">
+      <a:lvl5pPr marL="1828754" algn="l" defTabSz="914378" rtl="0" eaLnBrk="1" latinLnBrk="0" hangingPunct="1">
         <a:defRPr sz="1800" kern="1200">
           <a:solidFill>
             <a:schemeClr val="tx1"/>
@@ -3212,7 +3086,7 @@
           <a:cs typeface="+mn-cs"/>
         </a:defRPr>
       </a:lvl5pPr>
-      <a:lvl6pPr marL="2286000" algn="l" defTabSz="914400" rtl="0" eaLnBrk="1" latinLnBrk="0" hangingPunct="1">
+      <a:lvl6pPr marL="2285943" algn="l" defTabSz="914378" rtl="0" eaLnBrk="1" latinLnBrk="0" hangingPunct="1">
         <a:defRPr sz="1800" kern="1200">
           <a:solidFill>
             <a:schemeClr val="tx1"/>
@@ -3222,7 +3096,7 @@
           <a:cs typeface="+mn-cs"/>
         </a:defRPr>
       </a:lvl6pPr>
-      <a:lvl7pPr marL="2743200" algn="l" defTabSz="914400" rtl="0" eaLnBrk="1" latinLnBrk="0" hangingPunct="1">
+      <a:lvl7pPr marL="2743132" algn="l" defTabSz="914378" rtl="0" eaLnBrk="1" latinLnBrk="0" hangingPunct="1">
         <a:defRPr sz="1800" kern="1200">
           <a:solidFill>
             <a:schemeClr val="tx1"/>
@@ -3232,7 +3106,7 @@
           <a:cs typeface="+mn-cs"/>
         </a:defRPr>
       </a:lvl7pPr>
-      <a:lvl8pPr marL="3200400" algn="l" defTabSz="914400" rtl="0" eaLnBrk="1" latinLnBrk="0" hangingPunct="1">
+      <a:lvl8pPr marL="3200320" algn="l" defTabSz="914378" rtl="0" eaLnBrk="1" latinLnBrk="0" hangingPunct="1">
         <a:defRPr sz="1800" kern="1200">
           <a:solidFill>
             <a:schemeClr val="tx1"/>
@@ -3242,7 +3116,7 @@
           <a:cs typeface="+mn-cs"/>
         </a:defRPr>
       </a:lvl8pPr>
-      <a:lvl9pPr marL="3657600" algn="l" defTabSz="914400" rtl="0" eaLnBrk="1" latinLnBrk="0" hangingPunct="1">
+      <a:lvl9pPr marL="3657509" algn="l" defTabSz="914378" rtl="0" eaLnBrk="1" latinLnBrk="0" hangingPunct="1">
         <a:defRPr sz="1800" kern="1200">
           <a:solidFill>
             <a:schemeClr val="tx1"/>
@@ -3284,119 +3158,34 @@
             <p:ph type="title"/>
           </p:nvPr>
         </p:nvSpPr>
-        <p:spPr/>
-        <p:txBody>
-          <a:bodyPr/>
-          <a:lstStyle/>
-          <a:p>
-            <a:r>
-              <a:rPr lang="zh-TW" altLang="en-US" dirty="0"/>
+        <p:spPr>
+          <a:xfrm>
+            <a:off x="0" y="2660915"/>
+            <a:ext cx="12192000" cy="1143000"/>
+          </a:xfrm>
+        </p:spPr>
+        <p:txBody>
+          <a:bodyPr>
+            <a:noAutofit/>
+          </a:bodyPr>
+          <a:lstStyle/>
+          <a:p>
+            <a:r>
+              <a:rPr lang="zh-TW" altLang="en-US" sz="7200" b="1" i="1" dirty="0">
+                <a:solidFill>
+                  <a:srgbClr val="660033"/>
+                </a:solidFill>
+                <a:effectLst>
+                  <a:outerShdw blurRad="38100" dist="38100" dir="2700000" algn="tl">
+                    <a:srgbClr val="000000">
+                      <a:alpha val="43137"/>
+                    </a:srgbClr>
+                  </a:outerShdw>
+                </a:effectLst>
+                <a:latin typeface="微軟正黑體" pitchFamily="34" charset="-120"/>
+                <a:ea typeface="微軟正黑體" pitchFamily="34" charset="-120"/>
+              </a:rPr>
               <a:t>一件禮物</a:t>
-            </a:r>
-          </a:p>
-        </p:txBody>
-      </p:sp>
-      <p:sp>
-        <p:nvSpPr>
-          <p:cNvPr id="5" name="內容版面配置區 4"/>
-          <p:cNvSpPr>
-            <a:spLocks noGrp="1"/>
-          </p:cNvSpPr>
-          <p:nvPr>
-            <p:ph idx="1"/>
-          </p:nvPr>
-        </p:nvSpPr>
-        <p:spPr/>
-        <p:txBody>
-          <a:bodyPr>
-            <a:normAutofit/>
-          </a:bodyPr>
-          <a:lstStyle/>
-          <a:p>
-            <a:pPr algn="ctr">
-              <a:buNone/>
-            </a:pPr>
-            <a:r>
-              <a:rPr lang="zh-TW" altLang="en-US" sz="5400" dirty="0"/>
-              <a:t>茫茫</a:t>
-            </a:r>
-            <a:r>
-              <a:rPr lang="zh-TW" altLang="en-US" sz="5400" dirty="0" smtClean="0"/>
-              <a:t>宇宙  有</a:t>
-            </a:r>
-            <a:r>
-              <a:rPr lang="zh-TW" altLang="en-US" sz="5400" dirty="0"/>
-              <a:t>愛心的</a:t>
-            </a:r>
-            <a:r>
-              <a:rPr lang="zh-TW" altLang="en-US" sz="5400" dirty="0" smtClean="0"/>
-              <a:t>禮物</a:t>
-            </a:r>
-            <a:endParaRPr lang="en-US" altLang="zh-TW" sz="5400" dirty="0" smtClean="0"/>
-          </a:p>
-          <a:p>
-            <a:pPr algn="ctr">
-              <a:buNone/>
-            </a:pPr>
-            <a:r>
-              <a:rPr lang="zh-TW" altLang="en-US" sz="5400" dirty="0" smtClean="0"/>
-              <a:t>它</a:t>
-            </a:r>
-            <a:r>
-              <a:rPr lang="zh-TW" altLang="en-US" sz="5400" dirty="0"/>
-              <a:t>降在人</a:t>
-            </a:r>
-            <a:r>
-              <a:rPr lang="zh-TW" altLang="en-US" sz="5400" dirty="0" smtClean="0"/>
-              <a:t>前  但</a:t>
-            </a:r>
-            <a:r>
-              <a:rPr lang="zh-TW" altLang="en-US" sz="5400" dirty="0"/>
-              <a:t>人未</a:t>
-            </a:r>
-            <a:r>
-              <a:rPr lang="zh-TW" altLang="en-US" sz="5400" dirty="0" smtClean="0"/>
-              <a:t>看見</a:t>
-            </a:r>
-            <a:endParaRPr lang="en-US" altLang="zh-TW" sz="5400" dirty="0" smtClean="0"/>
-          </a:p>
-          <a:p>
-            <a:pPr algn="ctr">
-              <a:buNone/>
-            </a:pPr>
-            <a:r>
-              <a:rPr lang="zh-TW" altLang="en-US" sz="5400" dirty="0" smtClean="0"/>
-              <a:t>它</a:t>
-            </a:r>
-            <a:r>
-              <a:rPr lang="zh-TW" altLang="en-US" sz="5400" dirty="0"/>
-              <a:t>光照</a:t>
-            </a:r>
-            <a:r>
-              <a:rPr lang="zh-TW" altLang="en-US" sz="5400" dirty="0" smtClean="0"/>
-              <a:t>萬物  賜</a:t>
-            </a:r>
-            <a:r>
-              <a:rPr lang="zh-TW" altLang="en-US" sz="5400" dirty="0"/>
-              <a:t>新生</a:t>
-            </a:r>
-            <a:r>
-              <a:rPr lang="zh-TW" altLang="en-US" sz="5400" dirty="0" smtClean="0"/>
-              <a:t>盼望</a:t>
-            </a:r>
-            <a:endParaRPr lang="en-US" altLang="zh-TW" sz="5400" dirty="0" smtClean="0"/>
-          </a:p>
-          <a:p>
-            <a:pPr algn="ctr">
-              <a:buNone/>
-            </a:pPr>
-            <a:r>
-              <a:rPr lang="zh-TW" altLang="en-US" sz="5400" dirty="0" smtClean="0"/>
-              <a:t>你</a:t>
-            </a:r>
-            <a:r>
-              <a:rPr lang="zh-TW" altLang="en-US" sz="5400" dirty="0"/>
-              <a:t>只需心裡願接受即擁有</a:t>
             </a:r>
           </a:p>
         </p:txBody>
@@ -3428,28 +3217,6 @@
       </p:grpSpPr>
       <p:sp>
         <p:nvSpPr>
-          <p:cNvPr id="4" name="標題 3"/>
-          <p:cNvSpPr>
-            <a:spLocks noGrp="1"/>
-          </p:cNvSpPr>
-          <p:nvPr>
-            <p:ph type="title"/>
-          </p:nvPr>
-        </p:nvSpPr>
-        <p:spPr/>
-        <p:txBody>
-          <a:bodyPr/>
-          <a:lstStyle/>
-          <a:p>
-            <a:r>
-              <a:rPr lang="zh-TW" altLang="en-US" dirty="0"/>
-              <a:t>一件禮物</a:t>
-            </a:r>
-          </a:p>
-        </p:txBody>
-      </p:sp>
-      <p:sp>
-        <p:nvSpPr>
           <p:cNvPr id="5" name="內容版面配置區 4"/>
           <p:cNvSpPr>
             <a:spLocks noGrp="1"/>
@@ -3460,12 +3227,12 @@
         </p:nvSpPr>
         <p:spPr>
           <a:xfrm>
-            <a:off x="0" y="1600200"/>
-            <a:ext cx="9144000" cy="5257800"/>
+            <a:off x="0" y="2084851"/>
+            <a:ext cx="12192000" cy="2404863"/>
           </a:xfrm>
         </p:spPr>
         <p:txBody>
-          <a:bodyPr>
+          <a:bodyPr anchor="ctr">
             <a:normAutofit/>
           </a:bodyPr>
           <a:lstStyle/>
@@ -3474,58 +3241,106 @@
               <a:buNone/>
             </a:pPr>
             <a:r>
-              <a:rPr lang="zh-TW" altLang="en-US" sz="5400" dirty="0"/>
-              <a:t>朋友可知</a:t>
-            </a:r>
-            <a:r>
-              <a:rPr lang="zh-TW" altLang="en-US" sz="5400" dirty="0" smtClean="0"/>
-              <a:t>否</a:t>
-            </a:r>
-            <a:endParaRPr lang="en-US" altLang="zh-TW" sz="5400" dirty="0" smtClean="0"/>
+              <a:rPr lang="zh-TW" altLang="en-US" sz="6400" b="1" dirty="0">
+                <a:solidFill>
+                  <a:srgbClr val="660033"/>
+                </a:solidFill>
+                <a:latin typeface="微軟正黑體" pitchFamily="34" charset="-120"/>
+                <a:ea typeface="微軟正黑體" pitchFamily="34" charset="-120"/>
+              </a:rPr>
+              <a:t>茫茫宇宙  有愛心的禮物</a:t>
+            </a:r>
+            <a:endParaRPr lang="en-US" altLang="zh-TW" sz="6400" b="1" dirty="0">
+              <a:solidFill>
+                <a:srgbClr val="660033"/>
+              </a:solidFill>
+              <a:latin typeface="微軟正黑體" pitchFamily="34" charset="-120"/>
+              <a:ea typeface="微軟正黑體" pitchFamily="34" charset="-120"/>
+            </a:endParaRPr>
           </a:p>
           <a:p>
             <a:pPr algn="ctr">
               <a:buNone/>
             </a:pPr>
             <a:r>
-              <a:rPr lang="zh-TW" altLang="en-US" sz="5400" dirty="0" smtClean="0"/>
-              <a:t>你</a:t>
-            </a:r>
-            <a:r>
-              <a:rPr lang="zh-TW" altLang="en-US" sz="5400" dirty="0"/>
-              <a:t>的今天逝去</a:t>
-            </a:r>
-            <a:r>
-              <a:rPr lang="zh-TW" altLang="en-US" sz="5400" dirty="0" smtClean="0"/>
-              <a:t>不留</a:t>
-            </a:r>
-            <a:endParaRPr lang="en-US" altLang="zh-TW" sz="5400" dirty="0" smtClean="0"/>
-          </a:p>
-          <a:p>
-            <a:pPr algn="ctr">
-              <a:buNone/>
-            </a:pPr>
-            <a:r>
-              <a:rPr lang="zh-TW" altLang="en-US" sz="5400" dirty="0" smtClean="0"/>
-              <a:t>掌握</a:t>
-            </a:r>
-            <a:r>
-              <a:rPr lang="zh-TW" altLang="en-US" sz="5400" dirty="0"/>
-              <a:t>這人生</a:t>
-            </a:r>
-            <a:r>
-              <a:rPr lang="zh-TW" altLang="en-US" sz="5400" dirty="0" smtClean="0"/>
-              <a:t>抉擇在</a:t>
-            </a:r>
-            <a:r>
-              <a:rPr lang="zh-TW" altLang="en-US" sz="5400" dirty="0"/>
-              <a:t>這</a:t>
-            </a:r>
-            <a:r>
-              <a:rPr lang="zh-TW" altLang="en-US" sz="5400" dirty="0" smtClean="0"/>
-              <a:t>一刻</a:t>
-            </a:r>
-            <a:endParaRPr lang="en-US" altLang="zh-TW" sz="5400" dirty="0" smtClean="0"/>
+              <a:rPr lang="zh-TW" altLang="en-US" sz="6400" b="1" dirty="0">
+                <a:solidFill>
+                  <a:srgbClr val="660033"/>
+                </a:solidFill>
+                <a:latin typeface="微軟正黑體" pitchFamily="34" charset="-120"/>
+                <a:ea typeface="微軟正黑體" pitchFamily="34" charset="-120"/>
+              </a:rPr>
+              <a:t>它降在人前  但人未看見</a:t>
+            </a:r>
+            <a:endParaRPr lang="en-US" altLang="zh-TW" sz="6400" b="1" dirty="0">
+              <a:solidFill>
+                <a:srgbClr val="660033"/>
+              </a:solidFill>
+              <a:latin typeface="微軟正黑體" pitchFamily="34" charset="-120"/>
+              <a:ea typeface="微軟正黑體" pitchFamily="34" charset="-120"/>
+            </a:endParaRPr>
+          </a:p>
+        </p:txBody>
+      </p:sp>
+      <p:sp>
+        <p:nvSpPr>
+          <p:cNvPr id="3" name="TextBox 2"/>
+          <p:cNvSpPr txBox="1"/>
+          <p:nvPr/>
+        </p:nvSpPr>
+        <p:spPr>
+          <a:xfrm>
+            <a:off x="0" y="5157192"/>
+            <a:ext cx="12192000" cy="666786"/>
+          </a:xfrm>
+          <a:prstGeom prst="rect">
+            <a:avLst/>
+          </a:prstGeom>
+          <a:noFill/>
+        </p:spPr>
+        <p:txBody>
+          <a:bodyPr wrap="square" rtlCol="0">
+            <a:spAutoFit/>
+          </a:bodyPr>
+          <a:lstStyle/>
+          <a:p>
+            <a:pPr algn="ctr"/>
+            <a:r>
+              <a:rPr lang="en-US" sz="3733" b="1" dirty="0">
+                <a:solidFill>
+                  <a:srgbClr val="660033"/>
+                </a:solidFill>
+                <a:latin typeface="Microsoft JhengHei" panose="020B0604030504040204" pitchFamily="34" charset="-120"/>
+                <a:ea typeface="Microsoft JhengHei" panose="020B0604030504040204" pitchFamily="34" charset="-120"/>
+              </a:rPr>
+              <a:t>( </a:t>
+            </a:r>
+            <a:r>
+              <a:rPr lang="zh-CN" altLang="en-US" sz="3733" b="1" dirty="0">
+                <a:solidFill>
+                  <a:srgbClr val="660033"/>
+                </a:solidFill>
+                <a:latin typeface="Microsoft JhengHei" panose="020B0604030504040204" pitchFamily="34" charset="-120"/>
+                <a:ea typeface="Microsoft JhengHei" panose="020B0604030504040204" pitchFamily="34" charset="-120"/>
+              </a:rPr>
+              <a:t>正歌</a:t>
+            </a:r>
+            <a:r>
+              <a:rPr lang="en-US" sz="3733" b="1" dirty="0">
+                <a:solidFill>
+                  <a:srgbClr val="660033"/>
+                </a:solidFill>
+                <a:latin typeface="Microsoft JhengHei" panose="020B0604030504040204" pitchFamily="34" charset="-120"/>
+                <a:ea typeface="Microsoft JhengHei" panose="020B0604030504040204" pitchFamily="34" charset="-120"/>
+              </a:rPr>
+              <a:t> 1 )</a:t>
+            </a:r>
+            <a:endParaRPr lang="vi-VN" sz="3733" b="1" dirty="0">
+              <a:solidFill>
+                <a:srgbClr val="660033"/>
+              </a:solidFill>
+              <a:ea typeface="Microsoft JhengHei" panose="020B0604030504040204" pitchFamily="34" charset="-120"/>
+            </a:endParaRPr>
           </a:p>
         </p:txBody>
       </p:sp>
@@ -3556,28 +3371,6 @@
       </p:grpSpPr>
       <p:sp>
         <p:nvSpPr>
-          <p:cNvPr id="4" name="標題 3"/>
-          <p:cNvSpPr>
-            <a:spLocks noGrp="1"/>
-          </p:cNvSpPr>
-          <p:nvPr>
-            <p:ph type="title"/>
-          </p:nvPr>
-        </p:nvSpPr>
-        <p:spPr/>
-        <p:txBody>
-          <a:bodyPr/>
-          <a:lstStyle/>
-          <a:p>
-            <a:r>
-              <a:rPr lang="zh-TW" altLang="en-US" dirty="0"/>
-              <a:t>一件禮物</a:t>
-            </a:r>
-          </a:p>
-        </p:txBody>
-      </p:sp>
-      <p:sp>
-        <p:nvSpPr>
           <p:cNvPr id="5" name="內容版面配置區 4"/>
           <p:cNvSpPr>
             <a:spLocks noGrp="1"/>
@@ -3588,12 +3381,12 @@
         </p:nvSpPr>
         <p:spPr>
           <a:xfrm>
-            <a:off x="0" y="1600200"/>
-            <a:ext cx="9144000" cy="5257800"/>
+            <a:off x="0" y="2084851"/>
+            <a:ext cx="12192000" cy="2404863"/>
           </a:xfrm>
         </p:spPr>
         <p:txBody>
-          <a:bodyPr>
+          <a:bodyPr anchor="ctr">
             <a:normAutofit/>
           </a:bodyPr>
           <a:lstStyle/>
@@ -3602,77 +3395,108 @@
               <a:buNone/>
             </a:pPr>
             <a:r>
-              <a:rPr lang="zh-TW" altLang="en-US" sz="5400" dirty="0" smtClean="0"/>
-              <a:t>無價</a:t>
-            </a:r>
-            <a:r>
-              <a:rPr lang="zh-TW" altLang="en-US" sz="5400" dirty="0"/>
-              <a:t>的</a:t>
-            </a:r>
-            <a:r>
-              <a:rPr lang="zh-TW" altLang="en-US" sz="5400" dirty="0" smtClean="0"/>
-              <a:t>禮物 </a:t>
-            </a:r>
-            <a:endParaRPr lang="en-US" altLang="zh-TW" sz="5400" dirty="0" smtClean="0"/>
+              <a:rPr lang="zh-TW" altLang="en-US" sz="6400" b="1" dirty="0">
+                <a:solidFill>
+                  <a:srgbClr val="660033"/>
+                </a:solidFill>
+                <a:latin typeface="微軟正黑體" pitchFamily="34" charset="-120"/>
+                <a:ea typeface="微軟正黑體" pitchFamily="34" charset="-120"/>
+              </a:rPr>
+              <a:t>它光照萬物  賜新生盼望</a:t>
+            </a:r>
+            <a:endParaRPr lang="en-US" altLang="zh-TW" sz="6400" b="1" dirty="0">
+              <a:solidFill>
+                <a:srgbClr val="660033"/>
+              </a:solidFill>
+              <a:latin typeface="微軟正黑體" pitchFamily="34" charset="-120"/>
+              <a:ea typeface="微軟正黑體" pitchFamily="34" charset="-120"/>
+            </a:endParaRPr>
           </a:p>
           <a:p>
             <a:pPr algn="ctr">
               <a:buNone/>
             </a:pPr>
             <a:r>
-              <a:rPr lang="zh-TW" altLang="en-US" sz="5400" dirty="0" smtClean="0"/>
-              <a:t>完美</a:t>
-            </a:r>
-            <a:r>
-              <a:rPr lang="zh-TW" altLang="en-US" sz="5400" dirty="0"/>
-              <a:t>盡</a:t>
-            </a:r>
-            <a:r>
-              <a:rPr lang="zh-TW" altLang="en-US" sz="5400" dirty="0" smtClean="0"/>
-              <a:t>善願</a:t>
-            </a:r>
-            <a:r>
-              <a:rPr lang="zh-TW" altLang="en-US" sz="5400" dirty="0"/>
-              <a:t>你</a:t>
-            </a:r>
-            <a:r>
-              <a:rPr lang="zh-TW" altLang="en-US" sz="5400" dirty="0" smtClean="0"/>
-              <a:t>保留</a:t>
-            </a:r>
-            <a:endParaRPr lang="en-US" altLang="zh-TW" sz="5400" dirty="0" smtClean="0"/>
-          </a:p>
-          <a:p>
-            <a:pPr algn="ctr">
-              <a:buNone/>
-            </a:pPr>
-            <a:r>
-              <a:rPr lang="zh-TW" altLang="en-US" sz="5400" dirty="0" smtClean="0"/>
-              <a:t>就是</a:t>
-            </a:r>
-            <a:r>
-              <a:rPr lang="zh-TW" altLang="en-US" sz="5400" dirty="0" smtClean="0"/>
-              <a:t>耶穌基督</a:t>
-            </a:r>
-            <a:r>
-              <a:rPr lang="en-US" altLang="zh-TW" sz="5400" dirty="0" smtClean="0"/>
-              <a:t> </a:t>
-            </a:r>
-            <a:r>
-              <a:rPr lang="en-US" altLang="zh-TW" sz="5400" dirty="0" smtClean="0"/>
-              <a:t> </a:t>
-            </a:r>
-            <a:r>
-              <a:rPr lang="zh-TW" altLang="en-US" sz="5400" dirty="0" smtClean="0"/>
-              <a:t>捨身</a:t>
-            </a:r>
-            <a:r>
-              <a:rPr lang="zh-TW" altLang="en-US" sz="5400" dirty="0"/>
-              <a:t>的愛</a:t>
-            </a:r>
+              <a:rPr lang="zh-TW" altLang="en-US" sz="6400" b="1" dirty="0">
+                <a:solidFill>
+                  <a:srgbClr val="660033"/>
+                </a:solidFill>
+                <a:latin typeface="微軟正黑體" pitchFamily="34" charset="-120"/>
+                <a:ea typeface="微軟正黑體" pitchFamily="34" charset="-120"/>
+              </a:rPr>
+              <a:t>你只需心裡願接受即擁有</a:t>
+            </a:r>
+          </a:p>
+        </p:txBody>
+      </p:sp>
+      <p:sp>
+        <p:nvSpPr>
+          <p:cNvPr id="3" name="TextBox 2"/>
+          <p:cNvSpPr txBox="1"/>
+          <p:nvPr/>
+        </p:nvSpPr>
+        <p:spPr>
+          <a:xfrm>
+            <a:off x="0" y="5157192"/>
+            <a:ext cx="12192000" cy="666786"/>
+          </a:xfrm>
+          <a:prstGeom prst="rect">
+            <a:avLst/>
+          </a:prstGeom>
+          <a:noFill/>
+        </p:spPr>
+        <p:txBody>
+          <a:bodyPr wrap="square" rtlCol="0">
+            <a:spAutoFit/>
+          </a:bodyPr>
+          <a:lstStyle/>
+          <a:p>
+            <a:pPr algn="ctr"/>
+            <a:r>
+              <a:rPr lang="en-US" sz="3733" b="1" dirty="0">
+                <a:solidFill>
+                  <a:srgbClr val="660033"/>
+                </a:solidFill>
+                <a:latin typeface="Microsoft JhengHei" panose="020B0604030504040204" pitchFamily="34" charset="-120"/>
+                <a:ea typeface="Microsoft JhengHei" panose="020B0604030504040204" pitchFamily="34" charset="-120"/>
+              </a:rPr>
+              <a:t>( </a:t>
+            </a:r>
+            <a:r>
+              <a:rPr lang="zh-CN" altLang="en-US" sz="3733" b="1" dirty="0">
+                <a:solidFill>
+                  <a:srgbClr val="660033"/>
+                </a:solidFill>
+                <a:latin typeface="Microsoft JhengHei" panose="020B0604030504040204" pitchFamily="34" charset="-120"/>
+                <a:ea typeface="Microsoft JhengHei" panose="020B0604030504040204" pitchFamily="34" charset="-120"/>
+              </a:rPr>
+              <a:t>正歌</a:t>
+            </a:r>
+            <a:r>
+              <a:rPr lang="en-US" sz="3733" b="1" dirty="0">
+                <a:solidFill>
+                  <a:srgbClr val="660033"/>
+                </a:solidFill>
+                <a:latin typeface="Microsoft JhengHei" panose="020B0604030504040204" pitchFamily="34" charset="-120"/>
+                <a:ea typeface="Microsoft JhengHei" panose="020B0604030504040204" pitchFamily="34" charset="-120"/>
+              </a:rPr>
+              <a:t> 1 )</a:t>
+            </a:r>
+            <a:endParaRPr lang="vi-VN" sz="3733" b="1" dirty="0">
+              <a:solidFill>
+                <a:srgbClr val="660033"/>
+              </a:solidFill>
+              <a:ea typeface="Microsoft JhengHei" panose="020B0604030504040204" pitchFamily="34" charset="-120"/>
+            </a:endParaRPr>
           </a:p>
         </p:txBody>
       </p:sp>
     </p:spTree>
+    <p:extLst>
+      <p:ext uri="{BB962C8B-B14F-4D97-AF65-F5344CB8AC3E}">
+        <p14:creationId xmlns:p14="http://schemas.microsoft.com/office/powerpoint/2010/main" val="3279735834"/>
+      </p:ext>
+    </p:extLst>
   </p:cSld>
   <p:clrMapOvr>
     <a:masterClrMapping/>
@@ -3699,28 +3523,6 @@
       </p:grpSpPr>
       <p:sp>
         <p:nvSpPr>
-          <p:cNvPr id="4" name="標題 3"/>
-          <p:cNvSpPr>
-            <a:spLocks noGrp="1"/>
-          </p:cNvSpPr>
-          <p:nvPr>
-            <p:ph type="title"/>
-          </p:nvPr>
-        </p:nvSpPr>
-        <p:spPr/>
-        <p:txBody>
-          <a:bodyPr/>
-          <a:lstStyle/>
-          <a:p>
-            <a:r>
-              <a:rPr lang="zh-TW" altLang="en-US" dirty="0"/>
-              <a:t>一件禮物</a:t>
-            </a:r>
-          </a:p>
-        </p:txBody>
-      </p:sp>
-      <p:sp>
-        <p:nvSpPr>
           <p:cNvPr id="5" name="內容版面配置區 4"/>
           <p:cNvSpPr>
             <a:spLocks noGrp="1"/>
@@ -3729,9 +3531,14 @@
             <p:ph idx="1"/>
           </p:nvPr>
         </p:nvSpPr>
-        <p:spPr/>
-        <p:txBody>
-          <a:bodyPr>
+        <p:spPr>
+          <a:xfrm>
+            <a:off x="0" y="2084851"/>
+            <a:ext cx="12192000" cy="2404863"/>
+          </a:xfrm>
+        </p:spPr>
+        <p:txBody>
+          <a:bodyPr anchor="ctr">
             <a:normAutofit/>
           </a:bodyPr>
           <a:lstStyle/>
@@ -3740,91 +3547,115 @@
               <a:buNone/>
             </a:pPr>
             <a:r>
-              <a:rPr lang="zh-TW" altLang="en-US" sz="5400" dirty="0"/>
-              <a:t>無限</a:t>
-            </a:r>
-            <a:r>
-              <a:rPr lang="zh-TW" altLang="en-US" sz="5400" dirty="0" smtClean="0"/>
-              <a:t>屈辱  也</a:t>
-            </a:r>
-            <a:r>
-              <a:rPr lang="zh-TW" altLang="en-US" sz="5400" dirty="0"/>
-              <a:t>一一擔</a:t>
-            </a:r>
-            <a:r>
-              <a:rPr lang="zh-TW" altLang="en-US" sz="5400" dirty="0" smtClean="0"/>
-              <a:t>受</a:t>
-            </a:r>
-            <a:endParaRPr lang="en-US" altLang="zh-TW" sz="5400" dirty="0" smtClean="0"/>
+              <a:rPr lang="zh-TW" altLang="en-US" sz="6400" b="1" dirty="0">
+                <a:solidFill>
+                  <a:srgbClr val="660033"/>
+                </a:solidFill>
+                <a:latin typeface="微軟正黑體" pitchFamily="34" charset="-120"/>
+                <a:ea typeface="微軟正黑體" pitchFamily="34" charset="-120"/>
+              </a:rPr>
+              <a:t>朋友可知否  你的今天逝去不留</a:t>
+            </a:r>
+            <a:endParaRPr lang="en-US" altLang="zh-TW" sz="6400" b="1" dirty="0">
+              <a:solidFill>
+                <a:srgbClr val="660033"/>
+              </a:solidFill>
+              <a:latin typeface="微軟正黑體" pitchFamily="34" charset="-120"/>
+              <a:ea typeface="微軟正黑體" pitchFamily="34" charset="-120"/>
+            </a:endParaRPr>
           </a:p>
           <a:p>
             <a:pPr algn="ctr">
               <a:buNone/>
             </a:pPr>
             <a:r>
-              <a:rPr lang="zh-TW" altLang="en-US" sz="5400" dirty="0" smtClean="0"/>
-              <a:t>祂降</a:t>
-            </a:r>
-            <a:r>
-              <a:rPr lang="zh-TW" altLang="en-US" sz="5400" dirty="0"/>
-              <a:t>下凡</a:t>
-            </a:r>
-            <a:r>
-              <a:rPr lang="zh-TW" altLang="en-US" sz="5400" dirty="0" smtClean="0"/>
-              <a:t>塵  為</a:t>
-            </a:r>
-            <a:r>
-              <a:rPr lang="zh-TW" altLang="en-US" sz="5400" dirty="0"/>
-              <a:t>成就</a:t>
-            </a:r>
-            <a:r>
-              <a:rPr lang="zh-TW" altLang="en-US" sz="5400" dirty="0" smtClean="0"/>
-              <a:t>這愛</a:t>
-            </a:r>
-            <a:endParaRPr lang="en-US" altLang="zh-TW" sz="5400" dirty="0" smtClean="0"/>
-          </a:p>
-          <a:p>
-            <a:pPr algn="ctr">
-              <a:buNone/>
-            </a:pPr>
-            <a:r>
-              <a:rPr lang="zh-TW" altLang="en-US" sz="5400" dirty="0" smtClean="0"/>
-              <a:t>主</a:t>
-            </a:r>
-            <a:r>
-              <a:rPr lang="zh-TW" altLang="en-US" sz="5400" dirty="0"/>
-              <a:t>基督</a:t>
-            </a:r>
-            <a:r>
-              <a:rPr lang="zh-TW" altLang="en-US" sz="5400" dirty="0" smtClean="0"/>
-              <a:t>就是  愛心</a:t>
-            </a:r>
-            <a:r>
-              <a:rPr lang="zh-TW" altLang="en-US" sz="5400" dirty="0"/>
-              <a:t>的</a:t>
-            </a:r>
-            <a:r>
-              <a:rPr lang="zh-TW" altLang="en-US" sz="5400" dirty="0" smtClean="0"/>
-              <a:t>禮物</a:t>
-            </a:r>
-            <a:endParaRPr lang="en-US" altLang="zh-TW" sz="5400" dirty="0" smtClean="0"/>
-          </a:p>
-          <a:p>
-            <a:pPr algn="ctr">
-              <a:buNone/>
-            </a:pPr>
-            <a:r>
-              <a:rPr lang="zh-TW" altLang="en-US" sz="5400" dirty="0" smtClean="0"/>
-              <a:t>你</a:t>
-            </a:r>
-            <a:r>
-              <a:rPr lang="zh-TW" altLang="en-US" sz="5400" dirty="0"/>
-              <a:t>只需心裡願接受即擁有</a:t>
-            </a:r>
+              <a:rPr lang="zh-TW" altLang="en-US" sz="6400" b="1" dirty="0">
+                <a:solidFill>
+                  <a:srgbClr val="660033"/>
+                </a:solidFill>
+                <a:latin typeface="微軟正黑體" pitchFamily="34" charset="-120"/>
+                <a:ea typeface="微軟正黑體" pitchFamily="34" charset="-120"/>
+              </a:rPr>
+              <a:t>掌握這人生抉擇在這一刻</a:t>
+            </a:r>
+            <a:endParaRPr lang="en-US" altLang="zh-TW" sz="6400" b="1" dirty="0">
+              <a:solidFill>
+                <a:srgbClr val="660033"/>
+              </a:solidFill>
+              <a:latin typeface="微軟正黑體" pitchFamily="34" charset="-120"/>
+              <a:ea typeface="微軟正黑體" pitchFamily="34" charset="-120"/>
+            </a:endParaRPr>
+          </a:p>
+        </p:txBody>
+      </p:sp>
+      <p:sp>
+        <p:nvSpPr>
+          <p:cNvPr id="3" name="TextBox 2"/>
+          <p:cNvSpPr txBox="1"/>
+          <p:nvPr/>
+        </p:nvSpPr>
+        <p:spPr>
+          <a:xfrm>
+            <a:off x="0" y="5157192"/>
+            <a:ext cx="12192000" cy="666786"/>
+          </a:xfrm>
+          <a:prstGeom prst="rect">
+            <a:avLst/>
+          </a:prstGeom>
+          <a:noFill/>
+        </p:spPr>
+        <p:txBody>
+          <a:bodyPr wrap="square" rtlCol="0">
+            <a:spAutoFit/>
+          </a:bodyPr>
+          <a:lstStyle/>
+          <a:p>
+            <a:pPr algn="ctr"/>
+            <a:r>
+              <a:rPr lang="en-US" sz="3733" b="1" dirty="0">
+                <a:solidFill>
+                  <a:srgbClr val="660033"/>
+                </a:solidFill>
+                <a:latin typeface="Microsoft JhengHei" panose="020B0604030504040204" pitchFamily="34" charset="-120"/>
+                <a:ea typeface="Microsoft JhengHei" panose="020B0604030504040204" pitchFamily="34" charset="-120"/>
+              </a:rPr>
+              <a:t>( </a:t>
+            </a:r>
+            <a:r>
+              <a:rPr lang="zh-CN" altLang="en-US" sz="3733" b="1" dirty="0">
+                <a:solidFill>
+                  <a:srgbClr val="660033"/>
+                </a:solidFill>
+                <a:latin typeface="Microsoft JhengHei" panose="020B0604030504040204" pitchFamily="34" charset="-120"/>
+                <a:ea typeface="Microsoft JhengHei" panose="020B0604030504040204" pitchFamily="34" charset="-120"/>
+              </a:rPr>
+              <a:t>副歌</a:t>
+            </a:r>
+            <a:r>
+              <a:rPr lang="en-US" sz="3733" b="1" dirty="0">
+                <a:solidFill>
+                  <a:srgbClr val="660033"/>
+                </a:solidFill>
+                <a:latin typeface="Microsoft JhengHei" panose="020B0604030504040204" pitchFamily="34" charset="-120"/>
+                <a:ea typeface="Microsoft JhengHei" panose="020B0604030504040204" pitchFamily="34" charset="-120"/>
+              </a:rPr>
+              <a:t> )</a:t>
+            </a:r>
+            <a:endParaRPr lang="vi-VN" sz="3733" b="1" dirty="0">
+              <a:solidFill>
+                <a:srgbClr val="660033"/>
+              </a:solidFill>
+              <a:ea typeface="Microsoft JhengHei" panose="020B0604030504040204" pitchFamily="34" charset="-120"/>
+            </a:endParaRPr>
           </a:p>
         </p:txBody>
       </p:sp>
     </p:spTree>
+    <p:extLst>
+      <p:ext uri="{BB962C8B-B14F-4D97-AF65-F5344CB8AC3E}">
+        <p14:creationId xmlns:p14="http://schemas.microsoft.com/office/powerpoint/2010/main" val="1603322422"/>
+      </p:ext>
+    </p:extLst>
   </p:cSld>
   <p:clrMapOvr>
     <a:masterClrMapping/>
@@ -3851,28 +3682,6 @@
       </p:grpSpPr>
       <p:sp>
         <p:nvSpPr>
-          <p:cNvPr id="4" name="標題 3"/>
-          <p:cNvSpPr>
-            <a:spLocks noGrp="1"/>
-          </p:cNvSpPr>
-          <p:nvPr>
-            <p:ph type="title"/>
-          </p:nvPr>
-        </p:nvSpPr>
-        <p:spPr/>
-        <p:txBody>
-          <a:bodyPr/>
-          <a:lstStyle/>
-          <a:p>
-            <a:r>
-              <a:rPr lang="zh-TW" altLang="en-US" dirty="0"/>
-              <a:t>一件禮物</a:t>
-            </a:r>
-          </a:p>
-        </p:txBody>
-      </p:sp>
-      <p:sp>
-        <p:nvSpPr>
           <p:cNvPr id="5" name="內容版面配置區 4"/>
           <p:cNvSpPr>
             <a:spLocks noGrp="1"/>
@@ -3883,12 +3692,12 @@
         </p:nvSpPr>
         <p:spPr>
           <a:xfrm>
-            <a:off x="0" y="1600200"/>
-            <a:ext cx="9144000" cy="5257800"/>
+            <a:off x="0" y="2084851"/>
+            <a:ext cx="12192000" cy="2404863"/>
           </a:xfrm>
         </p:spPr>
         <p:txBody>
-          <a:bodyPr>
+          <a:bodyPr anchor="ctr">
             <a:normAutofit/>
           </a:bodyPr>
           <a:lstStyle/>
@@ -3897,62 +3706,128 @@
               <a:buNone/>
             </a:pPr>
             <a:r>
-              <a:rPr lang="zh-TW" altLang="en-US" sz="5400" dirty="0"/>
-              <a:t>朋友可知</a:t>
-            </a:r>
-            <a:r>
-              <a:rPr lang="zh-TW" altLang="en-US" sz="5400" dirty="0" smtClean="0"/>
-              <a:t>否</a:t>
-            </a:r>
-            <a:endParaRPr lang="en-US" altLang="zh-TW" sz="5400" dirty="0" smtClean="0"/>
+              <a:rPr lang="zh-TW" altLang="en-US" sz="6400" b="1" dirty="0">
+                <a:solidFill>
+                  <a:srgbClr val="660033"/>
+                </a:solidFill>
+                <a:latin typeface="微軟正黑體" pitchFamily="34" charset="-120"/>
+                <a:ea typeface="微軟正黑體" pitchFamily="34" charset="-120"/>
+              </a:rPr>
+              <a:t>無價的禮物  完美盡善願你保留</a:t>
+            </a:r>
+            <a:endParaRPr lang="en-US" altLang="zh-TW" sz="6400" b="1" dirty="0">
+              <a:solidFill>
+                <a:srgbClr val="660033"/>
+              </a:solidFill>
+              <a:latin typeface="微軟正黑體" pitchFamily="34" charset="-120"/>
+              <a:ea typeface="微軟正黑體" pitchFamily="34" charset="-120"/>
+            </a:endParaRPr>
           </a:p>
           <a:p>
             <a:pPr algn="ctr">
               <a:buNone/>
             </a:pPr>
             <a:r>
-              <a:rPr lang="zh-TW" altLang="en-US" sz="5400" dirty="0" smtClean="0"/>
-              <a:t>你</a:t>
-            </a:r>
-            <a:r>
-              <a:rPr lang="zh-TW" altLang="en-US" sz="5400" dirty="0"/>
-              <a:t>的今天逝去</a:t>
-            </a:r>
-            <a:r>
-              <a:rPr lang="zh-TW" altLang="en-US" sz="5400" dirty="0" smtClean="0"/>
-              <a:t>不留</a:t>
-            </a:r>
-            <a:endParaRPr lang="en-US" altLang="zh-TW" sz="5400" dirty="0" smtClean="0"/>
-          </a:p>
-          <a:p>
-            <a:pPr algn="ctr">
-              <a:buNone/>
-            </a:pPr>
-            <a:r>
-              <a:rPr lang="zh-TW" altLang="en-US" sz="5400" dirty="0" smtClean="0"/>
-              <a:t>掌握</a:t>
-            </a:r>
-            <a:r>
-              <a:rPr lang="zh-TW" altLang="en-US" sz="5400" dirty="0"/>
-              <a:t>這人生</a:t>
-            </a:r>
-            <a:r>
-              <a:rPr lang="zh-TW" altLang="en-US" sz="5400" dirty="0" smtClean="0"/>
-              <a:t>抉擇在</a:t>
-            </a:r>
-            <a:r>
-              <a:rPr lang="zh-TW" altLang="en-US" sz="5400" dirty="0"/>
-              <a:t>這</a:t>
-            </a:r>
-            <a:r>
-              <a:rPr lang="zh-TW" altLang="en-US" sz="5400" dirty="0" smtClean="0"/>
-              <a:t>一刻</a:t>
-            </a:r>
-            <a:endParaRPr lang="en-US" altLang="zh-TW" sz="5400" dirty="0" smtClean="0"/>
+              <a:rPr lang="zh-TW" altLang="en-US" sz="6400" b="1" dirty="0">
+                <a:solidFill>
+                  <a:srgbClr val="660033"/>
+                </a:solidFill>
+                <a:latin typeface="微軟正黑體" pitchFamily="34" charset="-120"/>
+                <a:ea typeface="微軟正黑體" pitchFamily="34" charset="-120"/>
+              </a:rPr>
+              <a:t>就是耶穌基督</a:t>
+            </a:r>
+            <a:r>
+              <a:rPr lang="en-US" altLang="zh-TW" sz="6400" b="1" dirty="0">
+                <a:solidFill>
+                  <a:srgbClr val="660033"/>
+                </a:solidFill>
+                <a:latin typeface="微軟正黑體" pitchFamily="34" charset="-120"/>
+                <a:ea typeface="微軟正黑體" pitchFamily="34" charset="-120"/>
+              </a:rPr>
+              <a:t>  </a:t>
+            </a:r>
+            <a:r>
+              <a:rPr lang="zh-TW" altLang="en-US" sz="6400" b="1" dirty="0">
+                <a:solidFill>
+                  <a:srgbClr val="660033"/>
+                </a:solidFill>
+                <a:latin typeface="微軟正黑體" pitchFamily="34" charset="-120"/>
+                <a:ea typeface="微軟正黑體" pitchFamily="34" charset="-120"/>
+              </a:rPr>
+              <a:t>捨身的愛</a:t>
+            </a:r>
+          </a:p>
+        </p:txBody>
+      </p:sp>
+      <p:sp>
+        <p:nvSpPr>
+          <p:cNvPr id="3" name="TextBox 2"/>
+          <p:cNvSpPr txBox="1"/>
+          <p:nvPr/>
+        </p:nvSpPr>
+        <p:spPr>
+          <a:xfrm>
+            <a:off x="0" y="5157192"/>
+            <a:ext cx="12192000" cy="666786"/>
+          </a:xfrm>
+          <a:prstGeom prst="rect">
+            <a:avLst/>
+          </a:prstGeom>
+          <a:noFill/>
+        </p:spPr>
+        <p:txBody>
+          <a:bodyPr wrap="square" rtlCol="0">
+            <a:spAutoFit/>
+          </a:bodyPr>
+          <a:lstStyle/>
+          <a:p>
+            <a:pPr algn="ctr"/>
+            <a:r>
+              <a:rPr lang="en-US" sz="3733" b="1" dirty="0">
+                <a:solidFill>
+                  <a:srgbClr val="660033"/>
+                </a:solidFill>
+                <a:latin typeface="Microsoft JhengHei" panose="020B0604030504040204" pitchFamily="34" charset="-120"/>
+                <a:ea typeface="Microsoft JhengHei" panose="020B0604030504040204" pitchFamily="34" charset="-120"/>
+              </a:rPr>
+              <a:t>( </a:t>
+            </a:r>
+            <a:r>
+              <a:rPr lang="zh-CN" altLang="en-US" sz="3733" b="1" dirty="0">
+                <a:solidFill>
+                  <a:srgbClr val="660033"/>
+                </a:solidFill>
+                <a:latin typeface="Microsoft JhengHei" panose="020B0604030504040204" pitchFamily="34" charset="-120"/>
+                <a:ea typeface="Microsoft JhengHei" panose="020B0604030504040204" pitchFamily="34" charset="-120"/>
+              </a:rPr>
+              <a:t>副歌</a:t>
+            </a:r>
+            <a:r>
+              <a:rPr lang="en-US" sz="3733" b="1" dirty="0">
+                <a:solidFill>
+                  <a:srgbClr val="660033"/>
+                </a:solidFill>
+                <a:latin typeface="Microsoft JhengHei" panose="020B0604030504040204" pitchFamily="34" charset="-120"/>
+                <a:ea typeface="Microsoft JhengHei" panose="020B0604030504040204" pitchFamily="34" charset="-120"/>
+              </a:rPr>
+              <a:t> )</a:t>
+            </a:r>
+            <a:endParaRPr lang="vi-VN" sz="3733" b="1" dirty="0">
+              <a:solidFill>
+                <a:srgbClr val="660033"/>
+              </a:solidFill>
+              <a:ea typeface="Microsoft JhengHei" panose="020B0604030504040204" pitchFamily="34" charset="-120"/>
+            </a:endParaRPr>
           </a:p>
         </p:txBody>
       </p:sp>
     </p:spTree>
+    <p:extLst>
+      <p:ext uri="{BB962C8B-B14F-4D97-AF65-F5344CB8AC3E}">
+        <p14:creationId xmlns:p14="http://schemas.microsoft.com/office/powerpoint/2010/main" val="3982256141"/>
+      </p:ext>
+    </p:extLst>
   </p:cSld>
   <p:clrMapOvr>
     <a:masterClrMapping/>
@@ -3979,28 +3854,6 @@
       </p:grpSpPr>
       <p:sp>
         <p:nvSpPr>
-          <p:cNvPr id="4" name="標題 3"/>
-          <p:cNvSpPr>
-            <a:spLocks noGrp="1"/>
-          </p:cNvSpPr>
-          <p:nvPr>
-            <p:ph type="title"/>
-          </p:nvPr>
-        </p:nvSpPr>
-        <p:spPr/>
-        <p:txBody>
-          <a:bodyPr/>
-          <a:lstStyle/>
-          <a:p>
-            <a:r>
-              <a:rPr lang="zh-TW" altLang="en-US" dirty="0"/>
-              <a:t>一件禮物</a:t>
-            </a:r>
-          </a:p>
-        </p:txBody>
-      </p:sp>
-      <p:sp>
-        <p:nvSpPr>
           <p:cNvPr id="5" name="內容版面配置區 4"/>
           <p:cNvSpPr>
             <a:spLocks noGrp="1"/>
@@ -4011,12 +3864,12 @@
         </p:nvSpPr>
         <p:spPr>
           <a:xfrm>
-            <a:off x="0" y="1600200"/>
-            <a:ext cx="9144000" cy="5257800"/>
+            <a:off x="0" y="2084851"/>
+            <a:ext cx="12192000" cy="2404863"/>
           </a:xfrm>
         </p:spPr>
         <p:txBody>
-          <a:bodyPr>
+          <a:bodyPr anchor="ctr">
             <a:normAutofit/>
           </a:bodyPr>
           <a:lstStyle/>
@@ -4025,77 +3878,277 @@
               <a:buNone/>
             </a:pPr>
             <a:r>
-              <a:rPr lang="zh-TW" altLang="en-US" sz="5400" dirty="0" smtClean="0"/>
-              <a:t>無價</a:t>
-            </a:r>
-            <a:r>
-              <a:rPr lang="zh-TW" altLang="en-US" sz="5400" dirty="0"/>
-              <a:t>的</a:t>
-            </a:r>
-            <a:r>
-              <a:rPr lang="zh-TW" altLang="en-US" sz="5400" dirty="0" smtClean="0"/>
-              <a:t>禮物 </a:t>
-            </a:r>
-            <a:endParaRPr lang="en-US" altLang="zh-TW" sz="5400" dirty="0" smtClean="0"/>
+              <a:rPr lang="zh-TW" altLang="en-US" sz="6400" b="1" dirty="0">
+                <a:solidFill>
+                  <a:srgbClr val="660033"/>
+                </a:solidFill>
+                <a:latin typeface="微軟正黑體" pitchFamily="34" charset="-120"/>
+                <a:ea typeface="微軟正黑體" pitchFamily="34" charset="-120"/>
+              </a:rPr>
+              <a:t>無限屈辱  也一一擔</a:t>
+            </a:r>
+            <a:r>
+              <a:rPr lang="zh-CN" altLang="en-US" sz="6400" b="1" dirty="0">
+                <a:solidFill>
+                  <a:srgbClr val="660033"/>
+                </a:solidFill>
+                <a:latin typeface="微軟正黑體" pitchFamily="34" charset="-120"/>
+                <a:ea typeface="微軟正黑體" pitchFamily="34" charset="-120"/>
+              </a:rPr>
+              <a:t>負</a:t>
+            </a:r>
+            <a:endParaRPr lang="en-US" altLang="zh-TW" sz="6400" b="1" dirty="0">
+              <a:solidFill>
+                <a:srgbClr val="660033"/>
+              </a:solidFill>
+              <a:latin typeface="微軟正黑體" pitchFamily="34" charset="-120"/>
+              <a:ea typeface="微軟正黑體" pitchFamily="34" charset="-120"/>
+            </a:endParaRPr>
           </a:p>
           <a:p>
             <a:pPr algn="ctr">
               <a:buNone/>
             </a:pPr>
             <a:r>
-              <a:rPr lang="zh-TW" altLang="en-US" sz="5400" dirty="0" smtClean="0"/>
-              <a:t>完美</a:t>
-            </a:r>
-            <a:r>
-              <a:rPr lang="zh-TW" altLang="en-US" sz="5400" dirty="0"/>
-              <a:t>盡</a:t>
-            </a:r>
-            <a:r>
-              <a:rPr lang="zh-TW" altLang="en-US" sz="5400" dirty="0" smtClean="0"/>
-              <a:t>善願</a:t>
-            </a:r>
-            <a:r>
-              <a:rPr lang="zh-TW" altLang="en-US" sz="5400" dirty="0"/>
-              <a:t>你</a:t>
-            </a:r>
-            <a:r>
-              <a:rPr lang="zh-TW" altLang="en-US" sz="5400" dirty="0" smtClean="0"/>
-              <a:t>保留</a:t>
-            </a:r>
-            <a:endParaRPr lang="en-US" altLang="zh-TW" sz="5400" dirty="0" smtClean="0"/>
-          </a:p>
+              <a:rPr lang="zh-TW" altLang="en-US" sz="6400" b="1" dirty="0">
+                <a:solidFill>
+                  <a:srgbClr val="660033"/>
+                </a:solidFill>
+                <a:latin typeface="微軟正黑體" pitchFamily="34" charset="-120"/>
+                <a:ea typeface="微軟正黑體" pitchFamily="34" charset="-120"/>
+              </a:rPr>
+              <a:t>祂降下凡塵  為成就這愛</a:t>
+            </a:r>
+            <a:endParaRPr lang="en-US" altLang="zh-TW" sz="6400" b="1" dirty="0">
+              <a:solidFill>
+                <a:srgbClr val="660033"/>
+              </a:solidFill>
+              <a:latin typeface="微軟正黑體" pitchFamily="34" charset="-120"/>
+              <a:ea typeface="微軟正黑體" pitchFamily="34" charset="-120"/>
+            </a:endParaRPr>
+          </a:p>
+        </p:txBody>
+      </p:sp>
+      <p:sp>
+        <p:nvSpPr>
+          <p:cNvPr id="3" name="TextBox 2"/>
+          <p:cNvSpPr txBox="1"/>
+          <p:nvPr/>
+        </p:nvSpPr>
+        <p:spPr>
+          <a:xfrm>
+            <a:off x="0" y="5157192"/>
+            <a:ext cx="12192000" cy="666786"/>
+          </a:xfrm>
+          <a:prstGeom prst="rect">
+            <a:avLst/>
+          </a:prstGeom>
+          <a:noFill/>
+        </p:spPr>
+        <p:txBody>
+          <a:bodyPr wrap="square" rtlCol="0">
+            <a:spAutoFit/>
+          </a:bodyPr>
+          <a:lstStyle/>
+          <a:p>
+            <a:pPr algn="ctr"/>
+            <a:r>
+              <a:rPr lang="en-US" sz="3733" b="1" dirty="0">
+                <a:solidFill>
+                  <a:srgbClr val="660033"/>
+                </a:solidFill>
+                <a:latin typeface="Microsoft JhengHei" panose="020B0604030504040204" pitchFamily="34" charset="-120"/>
+                <a:ea typeface="Microsoft JhengHei" panose="020B0604030504040204" pitchFamily="34" charset="-120"/>
+              </a:rPr>
+              <a:t>( </a:t>
+            </a:r>
+            <a:r>
+              <a:rPr lang="zh-CN" altLang="en-US" sz="3733" b="1" dirty="0">
+                <a:solidFill>
+                  <a:srgbClr val="660033"/>
+                </a:solidFill>
+                <a:latin typeface="Microsoft JhengHei" panose="020B0604030504040204" pitchFamily="34" charset="-120"/>
+                <a:ea typeface="Microsoft JhengHei" panose="020B0604030504040204" pitchFamily="34" charset="-120"/>
+              </a:rPr>
+              <a:t>正歌</a:t>
+            </a:r>
+            <a:r>
+              <a:rPr lang="en-US" sz="3733" b="1" dirty="0">
+                <a:solidFill>
+                  <a:srgbClr val="660033"/>
+                </a:solidFill>
+                <a:latin typeface="Microsoft JhengHei" panose="020B0604030504040204" pitchFamily="34" charset="-120"/>
+                <a:ea typeface="Microsoft JhengHei" panose="020B0604030504040204" pitchFamily="34" charset="-120"/>
+              </a:rPr>
+              <a:t> 2 )</a:t>
+            </a:r>
+            <a:endParaRPr lang="vi-VN" sz="3733" b="1" dirty="0">
+              <a:solidFill>
+                <a:srgbClr val="660033"/>
+              </a:solidFill>
+              <a:ea typeface="Microsoft JhengHei" panose="020B0604030504040204" pitchFamily="34" charset="-120"/>
+            </a:endParaRPr>
+          </a:p>
+        </p:txBody>
+      </p:sp>
+    </p:spTree>
+    <p:extLst>
+      <p:ext uri="{BB962C8B-B14F-4D97-AF65-F5344CB8AC3E}">
+        <p14:creationId xmlns:p14="http://schemas.microsoft.com/office/powerpoint/2010/main" val="2537415128"/>
+      </p:ext>
+    </p:extLst>
+  </p:cSld>
+  <p:clrMapOvr>
+    <a:masterClrMapping/>
+  </p:clrMapOvr>
+</p:sld>
+</file>
+
+<file path=ppt/slides/slide7.xml><?xml version="1.0" encoding="utf-8"?>
+<p:sld xmlns:a="http://schemas.openxmlformats.org/drawingml/2006/main" xmlns:r="http://schemas.openxmlformats.org/officeDocument/2006/relationships" xmlns:p="http://schemas.openxmlformats.org/presentationml/2006/main">
+  <p:cSld>
+    <p:spTree>
+      <p:nvGrpSpPr>
+        <p:cNvPr id="1" name=""/>
+        <p:cNvGrpSpPr/>
+        <p:nvPr/>
+      </p:nvGrpSpPr>
+      <p:grpSpPr>
+        <a:xfrm>
+          <a:off x="0" y="0"/>
+          <a:ext cx="0" cy="0"/>
+          <a:chOff x="0" y="0"/>
+          <a:chExt cx="0" cy="0"/>
+        </a:xfrm>
+      </p:grpSpPr>
+      <p:sp>
+        <p:nvSpPr>
+          <p:cNvPr id="5" name="內容版面配置區 4"/>
+          <p:cNvSpPr>
+            <a:spLocks noGrp="1"/>
+          </p:cNvSpPr>
+          <p:nvPr>
+            <p:ph idx="1"/>
+          </p:nvPr>
+        </p:nvSpPr>
+        <p:spPr>
+          <a:xfrm>
+            <a:off x="0" y="2084851"/>
+            <a:ext cx="12192000" cy="2404863"/>
+          </a:xfrm>
+        </p:spPr>
+        <p:txBody>
+          <a:bodyPr anchor="ctr">
+            <a:normAutofit/>
+          </a:bodyPr>
+          <a:lstStyle/>
           <a:p>
             <a:pPr algn="ctr">
               <a:buNone/>
             </a:pPr>
             <a:r>
-              <a:rPr lang="zh-TW" altLang="en-US" sz="5400" dirty="0" smtClean="0"/>
-              <a:t>就是</a:t>
-            </a:r>
-            <a:r>
-              <a:rPr lang="zh-TW" altLang="en-US" sz="5400" dirty="0" smtClean="0"/>
-              <a:t>耶穌基督</a:t>
-            </a:r>
-            <a:r>
-              <a:rPr lang="en-US" altLang="zh-TW" sz="5400" dirty="0" smtClean="0"/>
-              <a:t> </a:t>
-            </a:r>
-            <a:r>
-              <a:rPr lang="en-US" altLang="zh-TW" sz="5400" dirty="0" smtClean="0"/>
-              <a:t> </a:t>
-            </a:r>
-            <a:r>
-              <a:rPr lang="zh-TW" altLang="en-US" sz="5400" dirty="0" smtClean="0"/>
-              <a:t>捨身</a:t>
-            </a:r>
-            <a:r>
-              <a:rPr lang="zh-TW" altLang="en-US" sz="5400" dirty="0"/>
-              <a:t>的愛</a:t>
-            </a:r>
+              <a:rPr lang="zh-TW" altLang="en-US" sz="6400" b="1" dirty="0">
+                <a:solidFill>
+                  <a:srgbClr val="660033"/>
+                </a:solidFill>
+                <a:latin typeface="微軟正黑體" pitchFamily="34" charset="-120"/>
+                <a:ea typeface="微軟正黑體" pitchFamily="34" charset="-120"/>
+              </a:rPr>
+              <a:t>主基督就是  愛心的禮物</a:t>
+            </a:r>
+            <a:endParaRPr lang="en-US" altLang="zh-TW" sz="6400" b="1" dirty="0">
+              <a:solidFill>
+                <a:srgbClr val="660033"/>
+              </a:solidFill>
+              <a:latin typeface="微軟正黑體" pitchFamily="34" charset="-120"/>
+              <a:ea typeface="微軟正黑體" pitchFamily="34" charset="-120"/>
+            </a:endParaRPr>
+          </a:p>
+          <a:p>
+            <a:pPr algn="ctr">
+              <a:buNone/>
+            </a:pPr>
+            <a:r>
+              <a:rPr lang="zh-TW" altLang="en-US" sz="6400" b="1" dirty="0">
+                <a:solidFill>
+                  <a:srgbClr val="660033"/>
+                </a:solidFill>
+                <a:latin typeface="微軟正黑體" pitchFamily="34" charset="-120"/>
+                <a:ea typeface="微軟正黑體" pitchFamily="34" charset="-120"/>
+              </a:rPr>
+              <a:t>你只需心裡願接受即擁有</a:t>
+            </a:r>
+          </a:p>
+        </p:txBody>
+      </p:sp>
+      <p:sp>
+        <p:nvSpPr>
+          <p:cNvPr id="3" name="TextBox 2"/>
+          <p:cNvSpPr txBox="1"/>
+          <p:nvPr/>
+        </p:nvSpPr>
+        <p:spPr>
+          <a:xfrm>
+            <a:off x="0" y="5157192"/>
+            <a:ext cx="12192000" cy="666786"/>
+          </a:xfrm>
+          <a:prstGeom prst="rect">
+            <a:avLst/>
+          </a:prstGeom>
+          <a:noFill/>
+        </p:spPr>
+        <p:txBody>
+          <a:bodyPr wrap="square" rtlCol="0">
+            <a:spAutoFit/>
+          </a:bodyPr>
+          <a:lstStyle/>
+          <a:p>
+            <a:pPr algn="ctr"/>
+            <a:r>
+              <a:rPr lang="en-US" sz="3733" b="1" dirty="0">
+                <a:solidFill>
+                  <a:srgbClr val="660033"/>
+                </a:solidFill>
+                <a:latin typeface="Microsoft JhengHei" panose="020B0604030504040204" pitchFamily="34" charset="-120"/>
+                <a:ea typeface="Microsoft JhengHei" panose="020B0604030504040204" pitchFamily="34" charset="-120"/>
+              </a:rPr>
+              <a:t>( </a:t>
+            </a:r>
+            <a:r>
+              <a:rPr lang="zh-CN" altLang="en-US" sz="3733" b="1" dirty="0">
+                <a:solidFill>
+                  <a:srgbClr val="660033"/>
+                </a:solidFill>
+                <a:latin typeface="Microsoft JhengHei" panose="020B0604030504040204" pitchFamily="34" charset="-120"/>
+                <a:ea typeface="Microsoft JhengHei" panose="020B0604030504040204" pitchFamily="34" charset="-120"/>
+              </a:rPr>
+              <a:t>正歌</a:t>
+            </a:r>
+            <a:r>
+              <a:rPr lang="en-US" sz="3733" b="1" dirty="0">
+                <a:solidFill>
+                  <a:srgbClr val="660033"/>
+                </a:solidFill>
+                <a:latin typeface="Microsoft JhengHei" panose="020B0604030504040204" pitchFamily="34" charset="-120"/>
+                <a:ea typeface="Microsoft JhengHei" panose="020B0604030504040204" pitchFamily="34" charset="-120"/>
+              </a:rPr>
+              <a:t> 2 )</a:t>
+            </a:r>
+            <a:endParaRPr lang="vi-VN" sz="3733" b="1" dirty="0">
+              <a:solidFill>
+                <a:srgbClr val="660033"/>
+              </a:solidFill>
+              <a:ea typeface="Microsoft JhengHei" panose="020B0604030504040204" pitchFamily="34" charset="-120"/>
+            </a:endParaRPr>
           </a:p>
         </p:txBody>
       </p:sp>
     </p:spTree>
+    <p:extLst>
+      <p:ext uri="{BB962C8B-B14F-4D97-AF65-F5344CB8AC3E}">
+        <p14:creationId xmlns:p14="http://schemas.microsoft.com/office/powerpoint/2010/main" val="3018599149"/>
+      </p:ext>
+    </p:extLst>
   </p:cSld>
   <p:clrMapOvr>
     <a:masterClrMapping/>
@@ -4104,56 +4157,114 @@
 </file>
 
 <file path=ppt/theme/theme1.xml><?xml version="1.0" encoding="utf-8"?>
-<a:theme xmlns:a="http://schemas.openxmlformats.org/drawingml/2006/main" name="佈景主題7">
+<a:theme xmlns:a="http://schemas.openxmlformats.org/drawingml/2006/main" name="Theme1">
   <a:themeElements>
-    <a:clrScheme name="Diseño predeterminado 1">
+    <a:clrScheme name="Office">
       <a:dk1>
-        <a:srgbClr val="000000"/>
+        <a:sysClr val="windowText" lastClr="000000"/>
       </a:dk1>
       <a:lt1>
-        <a:srgbClr val="FFFFFF"/>
+        <a:sysClr val="window" lastClr="FFFFFF"/>
       </a:lt1>
       <a:dk2>
-        <a:srgbClr val="000000"/>
+        <a:srgbClr val="1F497D"/>
       </a:dk2>
       <a:lt2>
-        <a:srgbClr val="808080"/>
+        <a:srgbClr val="EEECE1"/>
       </a:lt2>
       <a:accent1>
-        <a:srgbClr val="BBE0E3"/>
+        <a:srgbClr val="4F81BD"/>
       </a:accent1>
       <a:accent2>
-        <a:srgbClr val="333399"/>
+        <a:srgbClr val="C0504D"/>
       </a:accent2>
       <a:accent3>
-        <a:srgbClr val="FFFFFF"/>
+        <a:srgbClr val="9BBB59"/>
       </a:accent3>
       <a:accent4>
-        <a:srgbClr val="000000"/>
+        <a:srgbClr val="8064A2"/>
       </a:accent4>
       <a:accent5>
-        <a:srgbClr val="DAEDEF"/>
+        <a:srgbClr val="4BACC6"/>
       </a:accent5>
       <a:accent6>
-        <a:srgbClr val="2D2D8A"/>
+        <a:srgbClr val="F79646"/>
       </a:accent6>
       <a:hlink>
-        <a:srgbClr val="009999"/>
+        <a:srgbClr val="0000FF"/>
       </a:hlink>
       <a:folHlink>
-        <a:srgbClr val="99CC00"/>
+        <a:srgbClr val="800080"/>
       </a:folHlink>
     </a:clrScheme>
-    <a:fontScheme name="Diseño predeterminado">
+    <a:fontScheme name="Office">
       <a:majorFont>
-        <a:latin typeface="Arial"/>
+        <a:latin typeface="Calibri"/>
         <a:ea typeface=""/>
-        <a:cs typeface="Arial"/>
+        <a:cs typeface=""/>
+        <a:font script="Jpan" typeface="ＭＳ Ｐゴシック"/>
+        <a:font script="Hang" typeface="맑은 고딕"/>
+        <a:font script="Hans" typeface="宋体"/>
+        <a:font script="Hant" typeface="新細明體"/>
+        <a:font script="Arab" typeface="Times New Roman"/>
+        <a:font script="Hebr" typeface="Times New Roman"/>
+        <a:font script="Thai" typeface="Angsana New"/>
+        <a:font script="Ethi" typeface="Nyala"/>
+        <a:font script="Beng" typeface="Vrinda"/>
+        <a:font script="Gujr" typeface="Shruti"/>
+        <a:font script="Khmr" typeface="MoolBoran"/>
+        <a:font script="Knda" typeface="Tunga"/>
+        <a:font script="Guru" typeface="Raavi"/>
+        <a:font script="Cans" typeface="Euphemia"/>
+        <a:font script="Cher" typeface="Plantagenet Cherokee"/>
+        <a:font script="Yiii" typeface="Microsoft Yi Baiti"/>
+        <a:font script="Tibt" typeface="Microsoft Himalaya"/>
+        <a:font script="Thaa" typeface="MV Boli"/>
+        <a:font script="Deva" typeface="Mangal"/>
+        <a:font script="Telu" typeface="Gautami"/>
+        <a:font script="Taml" typeface="Latha"/>
+        <a:font script="Syrc" typeface="Estrangelo Edessa"/>
+        <a:font script="Orya" typeface="Kalinga"/>
+        <a:font script="Mlym" typeface="Kartika"/>
+        <a:font script="Laoo" typeface="DokChampa"/>
+        <a:font script="Sinh" typeface="Iskoola Pota"/>
+        <a:font script="Mong" typeface="Mongolian Baiti"/>
+        <a:font script="Viet" typeface="Times New Roman"/>
+        <a:font script="Uigh" typeface="Microsoft Uighur"/>
       </a:majorFont>
       <a:minorFont>
-        <a:latin typeface="Arial"/>
+        <a:latin typeface="Calibri"/>
         <a:ea typeface=""/>
-        <a:cs typeface="Arial"/>
+        <a:cs typeface=""/>
+        <a:font script="Jpan" typeface="ＭＳ Ｐゴシック"/>
+        <a:font script="Hang" typeface="맑은 고딕"/>
+        <a:font script="Hans" typeface="宋体"/>
+        <a:font script="Hant" typeface="新細明體"/>
+        <a:font script="Arab" typeface="Arial"/>
+        <a:font script="Hebr" typeface="Arial"/>
+        <a:font script="Thai" typeface="Cordia New"/>
+        <a:font script="Ethi" typeface="Nyala"/>
+        <a:font script="Beng" typeface="Vrinda"/>
+        <a:font script="Gujr" typeface="Shruti"/>
+        <a:font script="Khmr" typeface="DaunPenh"/>
+        <a:font script="Knda" typeface="Tunga"/>
+        <a:font script="Guru" typeface="Raavi"/>
+        <a:font script="Cans" typeface="Euphemia"/>
+        <a:font script="Cher" typeface="Plantagenet Cherokee"/>
+        <a:font script="Yiii" typeface="Microsoft Yi Baiti"/>
+        <a:font script="Tibt" typeface="Microsoft Himalaya"/>
+        <a:font script="Thaa" typeface="MV Boli"/>
+        <a:font script="Deva" typeface="Mangal"/>
+        <a:font script="Telu" typeface="Gautami"/>
+        <a:font script="Taml" typeface="Latha"/>
+        <a:font script="Syrc" typeface="Estrangelo Edessa"/>
+        <a:font script="Orya" typeface="Kalinga"/>
+        <a:font script="Mlym" typeface="Kartika"/>
+        <a:font script="Laoo" typeface="DokChampa"/>
+        <a:font script="Sinh" typeface="Iskoola Pota"/>
+        <a:font script="Mong" typeface="Mongolian Baiti"/>
+        <a:font script="Viet" typeface="Arial"/>
+        <a:font script="Uigh" typeface="Microsoft Uighur"/>
       </a:minorFont>
     </a:fontScheme>
     <a:fmtScheme name="Office">
@@ -4323,627 +4434,12 @@
       </a:bgFillStyleLst>
     </a:fmtScheme>
   </a:themeElements>
-  <a:objectDefaults>
-    <a:spDef>
-      <a:spPr bwMode="auto">
-        <a:xfrm>
-          <a:off x="0" y="0"/>
-          <a:ext cx="1" cy="1"/>
-        </a:xfrm>
-        <a:custGeom>
-          <a:avLst/>
-          <a:gdLst/>
-          <a:ahLst/>
-          <a:cxnLst/>
-          <a:rect l="0" t="0" r="0" b="0"/>
-          <a:pathLst/>
-        </a:custGeom>
-        <a:solidFill>
-          <a:schemeClr val="accent1"/>
-        </a:solidFill>
-        <a:ln w="9525" cap="flat" cmpd="sng" algn="ctr">
-          <a:solidFill>
-            <a:schemeClr val="tx1"/>
-          </a:solidFill>
-          <a:prstDash val="solid"/>
-          <a:round/>
-          <a:headEnd type="none" w="med" len="med"/>
-          <a:tailEnd type="none" w="med" len="med"/>
-        </a:ln>
-        <a:effectLst/>
-      </a:spPr>
-      <a:bodyPr vert="horz" wrap="square" lIns="91440" tIns="45720" rIns="91440" bIns="45720" numCol="1" anchor="t" anchorCtr="0" compatLnSpc="1">
-        <a:prstTxWarp prst="textNoShape">
-          <a:avLst/>
-        </a:prstTxWarp>
-      </a:bodyPr>
-      <a:lstStyle>
-        <a:defPPr marL="0" marR="0" indent="0" algn="l" defTabSz="914400" rtl="0" eaLnBrk="1" fontAlgn="base" latinLnBrk="0" hangingPunct="1">
-          <a:lnSpc>
-            <a:spcPct val="100000"/>
-          </a:lnSpc>
-          <a:spcBef>
-            <a:spcPct val="0"/>
-          </a:spcBef>
-          <a:spcAft>
-            <a:spcPct val="0"/>
-          </a:spcAft>
-          <a:buClrTx/>
-          <a:buSzTx/>
-          <a:buFontTx/>
-          <a:buNone/>
-          <a:tabLst/>
-          <a:defRPr kumimoji="0" lang="es-ES" sz="1800" b="0" i="0" u="none" strike="noStrike" cap="none" normalizeH="0" baseline="0" smtClean="0">
-            <a:ln>
-              <a:noFill/>
-            </a:ln>
-            <a:solidFill>
-              <a:schemeClr val="tx1"/>
-            </a:solidFill>
-            <a:effectLst/>
-            <a:latin typeface="Arial" charset="0"/>
-            <a:cs typeface="Arial" charset="0"/>
-          </a:defRPr>
-        </a:defPPr>
-      </a:lstStyle>
-    </a:spDef>
-    <a:lnDef>
-      <a:spPr bwMode="auto">
-        <a:xfrm>
-          <a:off x="0" y="0"/>
-          <a:ext cx="1" cy="1"/>
-        </a:xfrm>
-        <a:custGeom>
-          <a:avLst/>
-          <a:gdLst/>
-          <a:ahLst/>
-          <a:cxnLst/>
-          <a:rect l="0" t="0" r="0" b="0"/>
-          <a:pathLst/>
-        </a:custGeom>
-        <a:solidFill>
-          <a:schemeClr val="accent1"/>
-        </a:solidFill>
-        <a:ln w="9525" cap="flat" cmpd="sng" algn="ctr">
-          <a:solidFill>
-            <a:schemeClr val="tx1"/>
-          </a:solidFill>
-          <a:prstDash val="solid"/>
-          <a:round/>
-          <a:headEnd type="none" w="med" len="med"/>
-          <a:tailEnd type="none" w="med" len="med"/>
-        </a:ln>
-        <a:effectLst/>
-      </a:spPr>
-      <a:bodyPr vert="horz" wrap="square" lIns="91440" tIns="45720" rIns="91440" bIns="45720" numCol="1" anchor="t" anchorCtr="0" compatLnSpc="1">
-        <a:prstTxWarp prst="textNoShape">
-          <a:avLst/>
-        </a:prstTxWarp>
-      </a:bodyPr>
-      <a:lstStyle>
-        <a:defPPr marL="0" marR="0" indent="0" algn="l" defTabSz="914400" rtl="0" eaLnBrk="1" fontAlgn="base" latinLnBrk="0" hangingPunct="1">
-          <a:lnSpc>
-            <a:spcPct val="100000"/>
-          </a:lnSpc>
-          <a:spcBef>
-            <a:spcPct val="0"/>
-          </a:spcBef>
-          <a:spcAft>
-            <a:spcPct val="0"/>
-          </a:spcAft>
-          <a:buClrTx/>
-          <a:buSzTx/>
-          <a:buFontTx/>
-          <a:buNone/>
-          <a:tabLst/>
-          <a:defRPr kumimoji="0" lang="es-ES" sz="1800" b="0" i="0" u="none" strike="noStrike" cap="none" normalizeH="0" baseline="0" smtClean="0">
-            <a:ln>
-              <a:noFill/>
-            </a:ln>
-            <a:solidFill>
-              <a:schemeClr val="tx1"/>
-            </a:solidFill>
-            <a:effectLst/>
-            <a:latin typeface="Arial" charset="0"/>
-            <a:cs typeface="Arial" charset="0"/>
-          </a:defRPr>
-        </a:defPPr>
-      </a:lstStyle>
-    </a:lnDef>
-  </a:objectDefaults>
-  <a:extraClrSchemeLst>
-    <a:extraClrScheme>
-      <a:clrScheme name="Diseño predeterminado 1">
-        <a:dk1>
-          <a:srgbClr val="000000"/>
-        </a:dk1>
-        <a:lt1>
-          <a:srgbClr val="FFFFFF"/>
-        </a:lt1>
-        <a:dk2>
-          <a:srgbClr val="000000"/>
-        </a:dk2>
-        <a:lt2>
-          <a:srgbClr val="808080"/>
-        </a:lt2>
-        <a:accent1>
-          <a:srgbClr val="BBE0E3"/>
-        </a:accent1>
-        <a:accent2>
-          <a:srgbClr val="333399"/>
-        </a:accent2>
-        <a:accent3>
-          <a:srgbClr val="FFFFFF"/>
-        </a:accent3>
-        <a:accent4>
-          <a:srgbClr val="000000"/>
-        </a:accent4>
-        <a:accent5>
-          <a:srgbClr val="DAEDEF"/>
-        </a:accent5>
-        <a:accent6>
-          <a:srgbClr val="2D2D8A"/>
-        </a:accent6>
-        <a:hlink>
-          <a:srgbClr val="009999"/>
-        </a:hlink>
-        <a:folHlink>
-          <a:srgbClr val="99CC00"/>
-        </a:folHlink>
-      </a:clrScheme>
-      <a:clrMap bg1="lt1" tx1="dk1" bg2="lt2" tx2="dk2" accent1="accent1" accent2="accent2" accent3="accent3" accent4="accent4" accent5="accent5" accent6="accent6" hlink="hlink" folHlink="folHlink"/>
-    </a:extraClrScheme>
-    <a:extraClrScheme>
-      <a:clrScheme name="Diseño predeterminado 2">
-        <a:dk1>
-          <a:srgbClr val="000000"/>
-        </a:dk1>
-        <a:lt1>
-          <a:srgbClr val="FFFFFF"/>
-        </a:lt1>
-        <a:dk2>
-          <a:srgbClr val="000000"/>
-        </a:dk2>
-        <a:lt2>
-          <a:srgbClr val="969696"/>
-        </a:lt2>
-        <a:accent1>
-          <a:srgbClr val="FBDF53"/>
-        </a:accent1>
-        <a:accent2>
-          <a:srgbClr val="FF9966"/>
-        </a:accent2>
-        <a:accent3>
-          <a:srgbClr val="FFFFFF"/>
-        </a:accent3>
-        <a:accent4>
-          <a:srgbClr val="000000"/>
-        </a:accent4>
-        <a:accent5>
-          <a:srgbClr val="FDECB3"/>
-        </a:accent5>
-        <a:accent6>
-          <a:srgbClr val="E78A5C"/>
-        </a:accent6>
-        <a:hlink>
-          <a:srgbClr val="CC3300"/>
-        </a:hlink>
-        <a:folHlink>
-          <a:srgbClr val="996600"/>
-        </a:folHlink>
-      </a:clrScheme>
-      <a:clrMap bg1="lt1" tx1="dk1" bg2="lt2" tx2="dk2" accent1="accent1" accent2="accent2" accent3="accent3" accent4="accent4" accent5="accent5" accent6="accent6" hlink="hlink" folHlink="folHlink"/>
-    </a:extraClrScheme>
-    <a:extraClrScheme>
-      <a:clrScheme name="Diseño predeterminado 3">
-        <a:dk1>
-          <a:srgbClr val="000000"/>
-        </a:dk1>
-        <a:lt1>
-          <a:srgbClr val="FFFFFF"/>
-        </a:lt1>
-        <a:dk2>
-          <a:srgbClr val="000000"/>
-        </a:dk2>
-        <a:lt2>
-          <a:srgbClr val="808080"/>
-        </a:lt2>
-        <a:accent1>
-          <a:srgbClr val="99CCFF"/>
-        </a:accent1>
-        <a:accent2>
-          <a:srgbClr val="CCCCFF"/>
-        </a:accent2>
-        <a:accent3>
-          <a:srgbClr val="FFFFFF"/>
-        </a:accent3>
-        <a:accent4>
-          <a:srgbClr val="000000"/>
-        </a:accent4>
-        <a:accent5>
-          <a:srgbClr val="CAE2FF"/>
-        </a:accent5>
-        <a:accent6>
-          <a:srgbClr val="B9B9E7"/>
-        </a:accent6>
-        <a:hlink>
-          <a:srgbClr val="3333CC"/>
-        </a:hlink>
-        <a:folHlink>
-          <a:srgbClr val="AF67FF"/>
-        </a:folHlink>
-      </a:clrScheme>
-      <a:clrMap bg1="lt1" tx1="dk1" bg2="lt2" tx2="dk2" accent1="accent1" accent2="accent2" accent3="accent3" accent4="accent4" accent5="accent5" accent6="accent6" hlink="hlink" folHlink="folHlink"/>
-    </a:extraClrScheme>
-    <a:extraClrScheme>
-      <a:clrScheme name="Diseño predeterminado 4">
-        <a:dk1>
-          <a:srgbClr val="000000"/>
-        </a:dk1>
-        <a:lt1>
-          <a:srgbClr val="DEF6F1"/>
-        </a:lt1>
-        <a:dk2>
-          <a:srgbClr val="000000"/>
-        </a:dk2>
-        <a:lt2>
-          <a:srgbClr val="969696"/>
-        </a:lt2>
-        <a:accent1>
-          <a:srgbClr val="FFFFFF"/>
-        </a:accent1>
-        <a:accent2>
-          <a:srgbClr val="8DC6FF"/>
-        </a:accent2>
-        <a:accent3>
-          <a:srgbClr val="ECFAF7"/>
-        </a:accent3>
-        <a:accent4>
-          <a:srgbClr val="000000"/>
-        </a:accent4>
-        <a:accent5>
-          <a:srgbClr val="FFFFFF"/>
-        </a:accent5>
-        <a:accent6>
-          <a:srgbClr val="7FB3E7"/>
-        </a:accent6>
-        <a:hlink>
-          <a:srgbClr val="0066CC"/>
-        </a:hlink>
-        <a:folHlink>
-          <a:srgbClr val="00A800"/>
-        </a:folHlink>
-      </a:clrScheme>
-      <a:clrMap bg1="lt1" tx1="dk1" bg2="lt2" tx2="dk2" accent1="accent1" accent2="accent2" accent3="accent3" accent4="accent4" accent5="accent5" accent6="accent6" hlink="hlink" folHlink="folHlink"/>
-    </a:extraClrScheme>
-    <a:extraClrScheme>
-      <a:clrScheme name="Diseño predeterminado 5">
-        <a:dk1>
-          <a:srgbClr val="000000"/>
-        </a:dk1>
-        <a:lt1>
-          <a:srgbClr val="FFFFD9"/>
-        </a:lt1>
-        <a:dk2>
-          <a:srgbClr val="000000"/>
-        </a:dk2>
-        <a:lt2>
-          <a:srgbClr val="777777"/>
-        </a:lt2>
-        <a:accent1>
-          <a:srgbClr val="FFFFF7"/>
-        </a:accent1>
-        <a:accent2>
-          <a:srgbClr val="33CCCC"/>
-        </a:accent2>
-        <a:accent3>
-          <a:srgbClr val="FFFFE9"/>
-        </a:accent3>
-        <a:accent4>
-          <a:srgbClr val="000000"/>
-        </a:accent4>
-        <a:accent5>
-          <a:srgbClr val="FFFFFA"/>
-        </a:accent5>
-        <a:accent6>
-          <a:srgbClr val="2DB9B9"/>
-        </a:accent6>
-        <a:hlink>
-          <a:srgbClr val="FF5050"/>
-        </a:hlink>
-        <a:folHlink>
-          <a:srgbClr val="FF9900"/>
-        </a:folHlink>
-      </a:clrScheme>
-      <a:clrMap bg1="lt1" tx1="dk1" bg2="lt2" tx2="dk2" accent1="accent1" accent2="accent2" accent3="accent3" accent4="accent4" accent5="accent5" accent6="accent6" hlink="hlink" folHlink="folHlink"/>
-    </a:extraClrScheme>
-    <a:extraClrScheme>
-      <a:clrScheme name="Diseño predeterminado 6">
-        <a:dk1>
-          <a:srgbClr val="005A58"/>
-        </a:dk1>
-        <a:lt1>
-          <a:srgbClr val="FFFFFF"/>
-        </a:lt1>
-        <a:dk2>
-          <a:srgbClr val="008080"/>
-        </a:dk2>
-        <a:lt2>
-          <a:srgbClr val="FFFF99"/>
-        </a:lt2>
-        <a:accent1>
-          <a:srgbClr val="006462"/>
-        </a:accent1>
-        <a:accent2>
-          <a:srgbClr val="6D6FC7"/>
-        </a:accent2>
-        <a:accent3>
-          <a:srgbClr val="AAC0C0"/>
-        </a:accent3>
-        <a:accent4>
-          <a:srgbClr val="DADADA"/>
-        </a:accent4>
-        <a:accent5>
-          <a:srgbClr val="AAB8B7"/>
-        </a:accent5>
-        <a:accent6>
-          <a:srgbClr val="6264B4"/>
-        </a:accent6>
-        <a:hlink>
-          <a:srgbClr val="00FFFF"/>
-        </a:hlink>
-        <a:folHlink>
-          <a:srgbClr val="00FF00"/>
-        </a:folHlink>
-      </a:clrScheme>
-      <a:clrMap bg1="dk2" tx1="lt1" bg2="dk1" tx2="lt2" accent1="accent1" accent2="accent2" accent3="accent3" accent4="accent4" accent5="accent5" accent6="accent6" hlink="hlink" folHlink="folHlink"/>
-    </a:extraClrScheme>
-    <a:extraClrScheme>
-      <a:clrScheme name="Diseño predeterminado 7">
-        <a:dk1>
-          <a:srgbClr val="5C1F00"/>
-        </a:dk1>
-        <a:lt1>
-          <a:srgbClr val="FFFFFF"/>
-        </a:lt1>
-        <a:dk2>
-          <a:srgbClr val="800000"/>
-        </a:dk2>
-        <a:lt2>
-          <a:srgbClr val="DFD293"/>
-        </a:lt2>
-        <a:accent1>
-          <a:srgbClr val="CC3300"/>
-        </a:accent1>
-        <a:accent2>
-          <a:srgbClr val="BE7960"/>
-        </a:accent2>
-        <a:accent3>
-          <a:srgbClr val="C0AAAA"/>
-        </a:accent3>
-        <a:accent4>
-          <a:srgbClr val="DADADA"/>
-        </a:accent4>
-        <a:accent5>
-          <a:srgbClr val="E2ADAA"/>
-        </a:accent5>
-        <a:accent6>
-          <a:srgbClr val="AC6D56"/>
-        </a:accent6>
-        <a:hlink>
-          <a:srgbClr val="FFFF99"/>
-        </a:hlink>
-        <a:folHlink>
-          <a:srgbClr val="D3A219"/>
-        </a:folHlink>
-      </a:clrScheme>
-      <a:clrMap bg1="dk2" tx1="lt1" bg2="dk1" tx2="lt2" accent1="accent1" accent2="accent2" accent3="accent3" accent4="accent4" accent5="accent5" accent6="accent6" hlink="hlink" folHlink="folHlink"/>
-    </a:extraClrScheme>
-    <a:extraClrScheme>
-      <a:clrScheme name="Diseño predeterminado 8">
-        <a:dk1>
-          <a:srgbClr val="003366"/>
-        </a:dk1>
-        <a:lt1>
-          <a:srgbClr val="FFFFFF"/>
-        </a:lt1>
-        <a:dk2>
-          <a:srgbClr val="000099"/>
-        </a:dk2>
-        <a:lt2>
-          <a:srgbClr val="CCFFFF"/>
-        </a:lt2>
-        <a:accent1>
-          <a:srgbClr val="3366CC"/>
-        </a:accent1>
-        <a:accent2>
-          <a:srgbClr val="00B000"/>
-        </a:accent2>
-        <a:accent3>
-          <a:srgbClr val="AAAACA"/>
-        </a:accent3>
-        <a:accent4>
-          <a:srgbClr val="DADADA"/>
-        </a:accent4>
-        <a:accent5>
-          <a:srgbClr val="ADB8E2"/>
-        </a:accent5>
-        <a:accent6>
-          <a:srgbClr val="009F00"/>
-        </a:accent6>
-        <a:hlink>
-          <a:srgbClr val="66CCFF"/>
-        </a:hlink>
-        <a:folHlink>
-          <a:srgbClr val="FFE701"/>
-        </a:folHlink>
-      </a:clrScheme>
-      <a:clrMap bg1="dk2" tx1="lt1" bg2="dk1" tx2="lt2" accent1="accent1" accent2="accent2" accent3="accent3" accent4="accent4" accent5="accent5" accent6="accent6" hlink="hlink" folHlink="folHlink"/>
-    </a:extraClrScheme>
-    <a:extraClrScheme>
-      <a:clrScheme name="Diseño predeterminado 9">
-        <a:dk1>
-          <a:srgbClr val="336699"/>
-        </a:dk1>
-        <a:lt1>
-          <a:srgbClr val="FFFFFF"/>
-        </a:lt1>
-        <a:dk2>
-          <a:srgbClr val="000000"/>
-        </a:dk2>
-        <a:lt2>
-          <a:srgbClr val="E3EBF1"/>
-        </a:lt2>
-        <a:accent1>
-          <a:srgbClr val="003399"/>
-        </a:accent1>
-        <a:accent2>
-          <a:srgbClr val="468A4B"/>
-        </a:accent2>
-        <a:accent3>
-          <a:srgbClr val="AAAAAA"/>
-        </a:accent3>
-        <a:accent4>
-          <a:srgbClr val="DADADA"/>
-        </a:accent4>
-        <a:accent5>
-          <a:srgbClr val="AAADCA"/>
-        </a:accent5>
-        <a:accent6>
-          <a:srgbClr val="3F7D43"/>
-        </a:accent6>
-        <a:hlink>
-          <a:srgbClr val="66CCFF"/>
-        </a:hlink>
-        <a:folHlink>
-          <a:srgbClr val="F0E500"/>
-        </a:folHlink>
-      </a:clrScheme>
-      <a:clrMap bg1="dk2" tx1="lt1" bg2="dk1" tx2="lt2" accent1="accent1" accent2="accent2" accent3="accent3" accent4="accent4" accent5="accent5" accent6="accent6" hlink="hlink" folHlink="folHlink"/>
-    </a:extraClrScheme>
-    <a:extraClrScheme>
-      <a:clrScheme name="Diseño predeterminado 10">
-        <a:dk1>
-          <a:srgbClr val="777777"/>
-        </a:dk1>
-        <a:lt1>
-          <a:srgbClr val="FFFFFF"/>
-        </a:lt1>
-        <a:dk2>
-          <a:srgbClr val="686B5D"/>
-        </a:dk2>
-        <a:lt2>
-          <a:srgbClr val="D1D1CB"/>
-        </a:lt2>
-        <a:accent1>
-          <a:srgbClr val="909082"/>
-        </a:accent1>
-        <a:accent2>
-          <a:srgbClr val="809EA8"/>
-        </a:accent2>
-        <a:accent3>
-          <a:srgbClr val="B9BAB6"/>
-        </a:accent3>
-        <a:accent4>
-          <a:srgbClr val="DADADA"/>
-        </a:accent4>
-        <a:accent5>
-          <a:srgbClr val="C6C6C1"/>
-        </a:accent5>
-        <a:accent6>
-          <a:srgbClr val="738F98"/>
-        </a:accent6>
-        <a:hlink>
-          <a:srgbClr val="FFCC66"/>
-        </a:hlink>
-        <a:folHlink>
-          <a:srgbClr val="E9DCB9"/>
-        </a:folHlink>
-      </a:clrScheme>
-      <a:clrMap bg1="dk2" tx1="lt1" bg2="dk1" tx2="lt2" accent1="accent1" accent2="accent2" accent3="accent3" accent4="accent4" accent5="accent5" accent6="accent6" hlink="hlink" folHlink="folHlink"/>
-    </a:extraClrScheme>
-    <a:extraClrScheme>
-      <a:clrScheme name="Diseño predeterminado 11">
-        <a:dk1>
-          <a:srgbClr val="3E3E5C"/>
-        </a:dk1>
-        <a:lt1>
-          <a:srgbClr val="FFFFFF"/>
-        </a:lt1>
-        <a:dk2>
-          <a:srgbClr val="666699"/>
-        </a:dk2>
-        <a:lt2>
-          <a:srgbClr val="FFFFFF"/>
-        </a:lt2>
-        <a:accent1>
-          <a:srgbClr val="60597B"/>
-        </a:accent1>
-        <a:accent2>
-          <a:srgbClr val="6666FF"/>
-        </a:accent2>
-        <a:accent3>
-          <a:srgbClr val="B8B8CA"/>
-        </a:accent3>
-        <a:accent4>
-          <a:srgbClr val="DADADA"/>
-        </a:accent4>
-        <a:accent5>
-          <a:srgbClr val="B6B5BF"/>
-        </a:accent5>
-        <a:accent6>
-          <a:srgbClr val="5C5CE7"/>
-        </a:accent6>
-        <a:hlink>
-          <a:srgbClr val="99CCFF"/>
-        </a:hlink>
-        <a:folHlink>
-          <a:srgbClr val="FFFF99"/>
-        </a:folHlink>
-      </a:clrScheme>
-      <a:clrMap bg1="dk2" tx1="lt1" bg2="dk1" tx2="lt2" accent1="accent1" accent2="accent2" accent3="accent3" accent4="accent4" accent5="accent5" accent6="accent6" hlink="hlink" folHlink="folHlink"/>
-    </a:extraClrScheme>
-    <a:extraClrScheme>
-      <a:clrScheme name="Diseño predeterminado 12">
-        <a:dk1>
-          <a:srgbClr val="2D2015"/>
-        </a:dk1>
-        <a:lt1>
-          <a:srgbClr val="FFFFFF"/>
-        </a:lt1>
-        <a:dk2>
-          <a:srgbClr val="523E26"/>
-        </a:dk2>
-        <a:lt2>
-          <a:srgbClr val="DFC08D"/>
-        </a:lt2>
-        <a:accent1>
-          <a:srgbClr val="8C7B70"/>
-        </a:accent1>
-        <a:accent2>
-          <a:srgbClr val="8F5F2F"/>
-        </a:accent2>
-        <a:accent3>
-          <a:srgbClr val="B3AFAC"/>
-        </a:accent3>
-        <a:accent4>
-          <a:srgbClr val="DADADA"/>
-        </a:accent4>
-        <a:accent5>
-          <a:srgbClr val="C5BFBB"/>
-        </a:accent5>
-        <a:accent6>
-          <a:srgbClr val="81552A"/>
-        </a:accent6>
-        <a:hlink>
-          <a:srgbClr val="CCB400"/>
-        </a:hlink>
-        <a:folHlink>
-          <a:srgbClr val="8C9EA0"/>
-        </a:folHlink>
-      </a:clrScheme>
-      <a:clrMap bg1="dk2" tx1="lt1" bg2="dk1" tx2="lt2" accent1="accent1" accent2="accent2" accent3="accent3" accent4="accent4" accent5="accent5" accent6="accent6" hlink="hlink" folHlink="folHlink"/>
-    </a:extraClrScheme>
-  </a:extraClrSchemeLst>
+  <a:objectDefaults/>
+  <a:extraClrSchemeLst/>
+  <a:extLst>
+    <a:ext uri="{05A4C25C-085E-4340-85A3-A5531E510DB2}">
+      <thm15:themeFamily xmlns:thm15="http://schemas.microsoft.com/office/thememl/2012/main" name="Theme1" id="{35DBA751-63FE-4F1C-B96C-0D1CAF195AB1}" vid="{40877FD6-3B5A-499B-AE81-42D595D5CE6F}"/>
+    </a:ext>
+  </a:extLst>
 </a:theme>
 </file>